--- a/documents/projectmanagement/Praesentationen/Vorstellung_9ter.pptx
+++ b/documents/projectmanagement/Praesentationen/Vorstellung_9ter.pptx
@@ -5,7 +5,7 @@
     <p:sldMasterId id="2147483648" r:id="rId1"/>
   </p:sldMasterIdLst>
   <p:notesMasterIdLst>
-    <p:notesMasterId r:id="rId13"/>
+    <p:notesMasterId r:id="rId28"/>
   </p:notesMasterIdLst>
   <p:sldIdLst>
     <p:sldId id="256" r:id="rId2"/>
@@ -19,6 +19,21 @@
     <p:sldId id="264" r:id="rId10"/>
     <p:sldId id="266" r:id="rId11"/>
     <p:sldId id="265" r:id="rId12"/>
+    <p:sldId id="267" r:id="rId13"/>
+    <p:sldId id="269" r:id="rId14"/>
+    <p:sldId id="268" r:id="rId15"/>
+    <p:sldId id="270" r:id="rId16"/>
+    <p:sldId id="271" r:id="rId17"/>
+    <p:sldId id="272" r:id="rId18"/>
+    <p:sldId id="273" r:id="rId19"/>
+    <p:sldId id="274" r:id="rId20"/>
+    <p:sldId id="275" r:id="rId21"/>
+    <p:sldId id="276" r:id="rId22"/>
+    <p:sldId id="279" r:id="rId23"/>
+    <p:sldId id="280" r:id="rId24"/>
+    <p:sldId id="277" r:id="rId25"/>
+    <p:sldId id="278" r:id="rId26"/>
+    <p:sldId id="281" r:id="rId27"/>
   </p:sldIdLst>
   <p:sldSz cx="12192000" cy="6858000"/>
   <p:notesSz cx="6858000" cy="9144000"/>
@@ -125,6 +140,1939 @@
 </p:presentation>
 </file>
 
+<file path=ppt/charts/chart1.xml><?xml version="1.0" encoding="utf-8"?>
+<c:chartSpace xmlns:c="http://schemas.openxmlformats.org/drawingml/2006/chart" xmlns:a="http://schemas.openxmlformats.org/drawingml/2006/main" xmlns:r="http://schemas.openxmlformats.org/officeDocument/2006/relationships" xmlns:c16r2="http://schemas.microsoft.com/office/drawing/2015/06/chart">
+  <c:date1904 val="0"/>
+  <c:lang val="de-DE"/>
+  <c:roundedCorners val="0"/>
+  <mc:AlternateContent xmlns:mc="http://schemas.openxmlformats.org/markup-compatibility/2006">
+    <mc:Choice xmlns:c14="http://schemas.microsoft.com/office/drawing/2007/8/2/chart" Requires="c14">
+      <c14:style val="102"/>
+    </mc:Choice>
+    <mc:Fallback>
+      <c:style val="2"/>
+    </mc:Fallback>
+  </mc:AlternateContent>
+  <c:chart>
+    <c:autoTitleDeleted val="1"/>
+    <c:plotArea>
+      <c:layout/>
+      <c:barChart>
+        <c:barDir val="col"/>
+        <c:grouping val="clustered"/>
+        <c:varyColors val="0"/>
+        <c:ser>
+          <c:idx val="0"/>
+          <c:order val="0"/>
+          <c:tx>
+            <c:strRef>
+              <c:f>Tabelle1!$B$1</c:f>
+              <c:strCache>
+                <c:ptCount val="1"/>
+                <c:pt idx="0">
+                  <c:v>Kosten (soll)</c:v>
+                </c:pt>
+              </c:strCache>
+            </c:strRef>
+          </c:tx>
+          <c:spPr>
+            <a:solidFill>
+              <a:schemeClr val="accent1"/>
+            </a:solidFill>
+            <a:ln>
+              <a:noFill/>
+            </a:ln>
+            <a:effectLst/>
+          </c:spPr>
+          <c:invertIfNegative val="0"/>
+          <c:cat>
+            <c:strRef>
+              <c:f>Tabelle1!$A$2:$A$5</c:f>
+              <c:strCache>
+                <c:ptCount val="4"/>
+                <c:pt idx="0">
+                  <c:v>Projekt 1</c:v>
+                </c:pt>
+                <c:pt idx="1">
+                  <c:v>Projekt 2</c:v>
+                </c:pt>
+                <c:pt idx="2">
+                  <c:v>Projekt 3</c:v>
+                </c:pt>
+                <c:pt idx="3">
+                  <c:v>Projekt 4</c:v>
+                </c:pt>
+              </c:strCache>
+            </c:strRef>
+          </c:cat>
+          <c:val>
+            <c:numRef>
+              <c:f>Tabelle1!$B$2:$B$5</c:f>
+              <c:numCache>
+                <c:formatCode>General</c:formatCode>
+                <c:ptCount val="4"/>
+                <c:pt idx="0">
+                  <c:v>4.3</c:v>
+                </c:pt>
+                <c:pt idx="1">
+                  <c:v>2.5</c:v>
+                </c:pt>
+                <c:pt idx="2">
+                  <c:v>3.5</c:v>
+                </c:pt>
+                <c:pt idx="3">
+                  <c:v>4.5</c:v>
+                </c:pt>
+              </c:numCache>
+            </c:numRef>
+          </c:val>
+          <c:extLst>
+            <c:ext xmlns:c16="http://schemas.microsoft.com/office/drawing/2014/chart" uri="{C3380CC4-5D6E-409C-BE32-E72D297353CC}">
+              <c16:uniqueId val="{00000000-4650-4A33-9790-B5628234A4CD}"/>
+            </c:ext>
+          </c:extLst>
+        </c:ser>
+        <c:ser>
+          <c:idx val="1"/>
+          <c:order val="1"/>
+          <c:tx>
+            <c:strRef>
+              <c:f>Tabelle1!$C$1</c:f>
+              <c:strCache>
+                <c:ptCount val="1"/>
+                <c:pt idx="0">
+                  <c:v>Kosten (ist)</c:v>
+                </c:pt>
+              </c:strCache>
+            </c:strRef>
+          </c:tx>
+          <c:spPr>
+            <a:solidFill>
+              <a:schemeClr val="accent2"/>
+            </a:solidFill>
+            <a:ln>
+              <a:noFill/>
+            </a:ln>
+            <a:effectLst/>
+          </c:spPr>
+          <c:invertIfNegative val="0"/>
+          <c:cat>
+            <c:strRef>
+              <c:f>Tabelle1!$A$2:$A$5</c:f>
+              <c:strCache>
+                <c:ptCount val="4"/>
+                <c:pt idx="0">
+                  <c:v>Projekt 1</c:v>
+                </c:pt>
+                <c:pt idx="1">
+                  <c:v>Projekt 2</c:v>
+                </c:pt>
+                <c:pt idx="2">
+                  <c:v>Projekt 3</c:v>
+                </c:pt>
+                <c:pt idx="3">
+                  <c:v>Projekt 4</c:v>
+                </c:pt>
+              </c:strCache>
+            </c:strRef>
+          </c:cat>
+          <c:val>
+            <c:numRef>
+              <c:f>Tabelle1!$C$2:$C$5</c:f>
+              <c:numCache>
+                <c:formatCode>General</c:formatCode>
+                <c:ptCount val="4"/>
+                <c:pt idx="0">
+                  <c:v>2.4</c:v>
+                </c:pt>
+                <c:pt idx="1">
+                  <c:v>4.4000000000000004</c:v>
+                </c:pt>
+                <c:pt idx="2">
+                  <c:v>1.8</c:v>
+                </c:pt>
+                <c:pt idx="3">
+                  <c:v>2.8</c:v>
+                </c:pt>
+              </c:numCache>
+            </c:numRef>
+          </c:val>
+          <c:extLst>
+            <c:ext xmlns:c16="http://schemas.microsoft.com/office/drawing/2014/chart" uri="{C3380CC4-5D6E-409C-BE32-E72D297353CC}">
+              <c16:uniqueId val="{00000001-4650-4A33-9790-B5628234A4CD}"/>
+            </c:ext>
+          </c:extLst>
+        </c:ser>
+        <c:ser>
+          <c:idx val="2"/>
+          <c:order val="2"/>
+          <c:tx>
+            <c:strRef>
+              <c:f>Tabelle1!$D$1</c:f>
+              <c:strCache>
+                <c:ptCount val="1"/>
+                <c:pt idx="0">
+                  <c:v>Nutzen</c:v>
+                </c:pt>
+              </c:strCache>
+            </c:strRef>
+          </c:tx>
+          <c:spPr>
+            <a:solidFill>
+              <a:schemeClr val="accent3"/>
+            </a:solidFill>
+            <a:ln>
+              <a:noFill/>
+            </a:ln>
+            <a:effectLst/>
+          </c:spPr>
+          <c:invertIfNegative val="0"/>
+          <c:cat>
+            <c:strRef>
+              <c:f>Tabelle1!$A$2:$A$5</c:f>
+              <c:strCache>
+                <c:ptCount val="4"/>
+                <c:pt idx="0">
+                  <c:v>Projekt 1</c:v>
+                </c:pt>
+                <c:pt idx="1">
+                  <c:v>Projekt 2</c:v>
+                </c:pt>
+                <c:pt idx="2">
+                  <c:v>Projekt 3</c:v>
+                </c:pt>
+                <c:pt idx="3">
+                  <c:v>Projekt 4</c:v>
+                </c:pt>
+              </c:strCache>
+            </c:strRef>
+          </c:cat>
+          <c:val>
+            <c:numRef>
+              <c:f>Tabelle1!$D$2:$D$5</c:f>
+              <c:numCache>
+                <c:formatCode>General</c:formatCode>
+                <c:ptCount val="4"/>
+                <c:pt idx="0">
+                  <c:v>2</c:v>
+                </c:pt>
+                <c:pt idx="1">
+                  <c:v>2</c:v>
+                </c:pt>
+                <c:pt idx="2">
+                  <c:v>3</c:v>
+                </c:pt>
+                <c:pt idx="3">
+                  <c:v>5</c:v>
+                </c:pt>
+              </c:numCache>
+            </c:numRef>
+          </c:val>
+          <c:extLst>
+            <c:ext xmlns:c16="http://schemas.microsoft.com/office/drawing/2014/chart" uri="{C3380CC4-5D6E-409C-BE32-E72D297353CC}">
+              <c16:uniqueId val="{00000002-4650-4A33-9790-B5628234A4CD}"/>
+            </c:ext>
+          </c:extLst>
+        </c:ser>
+        <c:dLbls>
+          <c:showLegendKey val="0"/>
+          <c:showVal val="0"/>
+          <c:showCatName val="0"/>
+          <c:showSerName val="0"/>
+          <c:showPercent val="0"/>
+          <c:showBubbleSize val="0"/>
+        </c:dLbls>
+        <c:gapWidth val="219"/>
+        <c:overlap val="-27"/>
+        <c:axId val="419810144"/>
+        <c:axId val="419810472"/>
+      </c:barChart>
+      <c:catAx>
+        <c:axId val="419810144"/>
+        <c:scaling>
+          <c:orientation val="minMax"/>
+        </c:scaling>
+        <c:delete val="0"/>
+        <c:axPos val="b"/>
+        <c:numFmt formatCode="General" sourceLinked="1"/>
+        <c:majorTickMark val="none"/>
+        <c:minorTickMark val="none"/>
+        <c:tickLblPos val="nextTo"/>
+        <c:spPr>
+          <a:noFill/>
+          <a:ln w="9525" cap="flat" cmpd="sng" algn="ctr">
+            <a:solidFill>
+              <a:schemeClr val="tx1">
+                <a:lumMod val="15000"/>
+                <a:lumOff val="85000"/>
+              </a:schemeClr>
+            </a:solidFill>
+            <a:round/>
+          </a:ln>
+          <a:effectLst/>
+        </c:spPr>
+        <c:txPr>
+          <a:bodyPr rot="-60000000" spcFirstLastPara="1" vertOverflow="ellipsis" vert="horz" wrap="square" anchor="ctr" anchorCtr="1"/>
+          <a:lstStyle/>
+          <a:p>
+            <a:pPr>
+              <a:defRPr sz="1197" b="0" i="0" u="none" strike="noStrike" kern="1200" baseline="0">
+                <a:solidFill>
+                  <a:schemeClr val="tx1">
+                    <a:lumMod val="65000"/>
+                    <a:lumOff val="35000"/>
+                  </a:schemeClr>
+                </a:solidFill>
+                <a:latin typeface="+mn-lt"/>
+                <a:ea typeface="+mn-ea"/>
+                <a:cs typeface="+mn-cs"/>
+              </a:defRPr>
+            </a:pPr>
+            <a:endParaRPr lang="de-DE"/>
+          </a:p>
+        </c:txPr>
+        <c:crossAx val="419810472"/>
+        <c:crosses val="autoZero"/>
+        <c:auto val="1"/>
+        <c:lblAlgn val="ctr"/>
+        <c:lblOffset val="100"/>
+        <c:noMultiLvlLbl val="0"/>
+      </c:catAx>
+      <c:valAx>
+        <c:axId val="419810472"/>
+        <c:scaling>
+          <c:orientation val="minMax"/>
+        </c:scaling>
+        <c:delete val="0"/>
+        <c:axPos val="l"/>
+        <c:majorGridlines>
+          <c:spPr>
+            <a:ln w="9525" cap="flat" cmpd="sng" algn="ctr">
+              <a:solidFill>
+                <a:schemeClr val="tx1">
+                  <a:lumMod val="15000"/>
+                  <a:lumOff val="85000"/>
+                </a:schemeClr>
+              </a:solidFill>
+              <a:round/>
+            </a:ln>
+            <a:effectLst/>
+          </c:spPr>
+        </c:majorGridlines>
+        <c:numFmt formatCode="General" sourceLinked="1"/>
+        <c:majorTickMark val="none"/>
+        <c:minorTickMark val="none"/>
+        <c:tickLblPos val="nextTo"/>
+        <c:spPr>
+          <a:noFill/>
+          <a:ln>
+            <a:noFill/>
+          </a:ln>
+          <a:effectLst/>
+        </c:spPr>
+        <c:txPr>
+          <a:bodyPr rot="-60000000" spcFirstLastPara="1" vertOverflow="ellipsis" vert="horz" wrap="square" anchor="ctr" anchorCtr="1"/>
+          <a:lstStyle/>
+          <a:p>
+            <a:pPr>
+              <a:defRPr sz="1197" b="0" i="0" u="none" strike="noStrike" kern="1200" baseline="0">
+                <a:solidFill>
+                  <a:schemeClr val="tx1">
+                    <a:lumMod val="65000"/>
+                    <a:lumOff val="35000"/>
+                  </a:schemeClr>
+                </a:solidFill>
+                <a:latin typeface="+mn-lt"/>
+                <a:ea typeface="+mn-ea"/>
+                <a:cs typeface="+mn-cs"/>
+              </a:defRPr>
+            </a:pPr>
+            <a:endParaRPr lang="de-DE"/>
+          </a:p>
+        </c:txPr>
+        <c:crossAx val="419810144"/>
+        <c:crosses val="autoZero"/>
+        <c:crossBetween val="between"/>
+      </c:valAx>
+      <c:spPr>
+        <a:noFill/>
+        <a:ln>
+          <a:noFill/>
+        </a:ln>
+        <a:effectLst/>
+      </c:spPr>
+    </c:plotArea>
+    <c:legend>
+      <c:legendPos val="b"/>
+      <c:overlay val="0"/>
+      <c:spPr>
+        <a:noFill/>
+        <a:ln>
+          <a:noFill/>
+        </a:ln>
+        <a:effectLst/>
+      </c:spPr>
+      <c:txPr>
+        <a:bodyPr rot="0" spcFirstLastPara="1" vertOverflow="ellipsis" vert="horz" wrap="square" anchor="ctr" anchorCtr="1"/>
+        <a:lstStyle/>
+        <a:p>
+          <a:pPr>
+            <a:defRPr sz="1197" b="0" i="0" u="none" strike="noStrike" kern="1200" baseline="0">
+              <a:solidFill>
+                <a:schemeClr val="tx1">
+                  <a:lumMod val="65000"/>
+                  <a:lumOff val="35000"/>
+                </a:schemeClr>
+              </a:solidFill>
+              <a:latin typeface="+mn-lt"/>
+              <a:ea typeface="+mn-ea"/>
+              <a:cs typeface="+mn-cs"/>
+            </a:defRPr>
+          </a:pPr>
+          <a:endParaRPr lang="de-DE"/>
+        </a:p>
+      </c:txPr>
+    </c:legend>
+    <c:plotVisOnly val="1"/>
+    <c:dispBlanksAs val="gap"/>
+    <c:showDLblsOverMax val="0"/>
+  </c:chart>
+  <c:spPr>
+    <a:noFill/>
+    <a:ln>
+      <a:noFill/>
+    </a:ln>
+    <a:effectLst/>
+  </c:spPr>
+  <c:txPr>
+    <a:bodyPr/>
+    <a:lstStyle/>
+    <a:p>
+      <a:pPr>
+        <a:defRPr/>
+      </a:pPr>
+      <a:endParaRPr lang="de-DE"/>
+    </a:p>
+  </c:txPr>
+  <c:externalData r:id="rId3">
+    <c:autoUpdate val="0"/>
+  </c:externalData>
+</c:chartSpace>
+</file>
+
+<file path=ppt/charts/chart2.xml><?xml version="1.0" encoding="utf-8"?>
+<c:chartSpace xmlns:c="http://schemas.openxmlformats.org/drawingml/2006/chart" xmlns:a="http://schemas.openxmlformats.org/drawingml/2006/main" xmlns:r="http://schemas.openxmlformats.org/officeDocument/2006/relationships" xmlns:c16r2="http://schemas.microsoft.com/office/drawing/2015/06/chart">
+  <c:date1904 val="0"/>
+  <c:lang val="de-DE"/>
+  <c:roundedCorners val="0"/>
+  <mc:AlternateContent xmlns:mc="http://schemas.openxmlformats.org/markup-compatibility/2006">
+    <mc:Choice xmlns:c14="http://schemas.microsoft.com/office/drawing/2007/8/2/chart" Requires="c14">
+      <c14:style val="102"/>
+    </mc:Choice>
+    <mc:Fallback>
+      <c:style val="2"/>
+    </mc:Fallback>
+  </mc:AlternateContent>
+  <c:chart>
+    <c:title>
+      <c:tx>
+        <c:rich>
+          <a:bodyPr rot="0" spcFirstLastPara="1" vertOverflow="ellipsis" vert="horz" wrap="square" anchor="ctr" anchorCtr="1"/>
+          <a:lstStyle/>
+          <a:p>
+            <a:pPr>
+              <a:defRPr sz="1862" b="0" i="0" u="none" strike="noStrike" kern="1200" spc="0" baseline="0">
+                <a:solidFill>
+                  <a:schemeClr val="tx1">
+                    <a:lumMod val="65000"/>
+                    <a:lumOff val="35000"/>
+                  </a:schemeClr>
+                </a:solidFill>
+                <a:latin typeface="+mn-lt"/>
+                <a:ea typeface="+mn-ea"/>
+                <a:cs typeface="+mn-cs"/>
+              </a:defRPr>
+            </a:pPr>
+            <a:r>
+              <a:rPr lang="de-DE" dirty="0"/>
+              <a:t>Zeit Kennzahlen</a:t>
+            </a:r>
+          </a:p>
+        </c:rich>
+      </c:tx>
+      <c:overlay val="0"/>
+      <c:spPr>
+        <a:noFill/>
+        <a:ln>
+          <a:noFill/>
+        </a:ln>
+        <a:effectLst/>
+      </c:spPr>
+      <c:txPr>
+        <a:bodyPr rot="0" spcFirstLastPara="1" vertOverflow="ellipsis" vert="horz" wrap="square" anchor="ctr" anchorCtr="1"/>
+        <a:lstStyle/>
+        <a:p>
+          <a:pPr>
+            <a:defRPr sz="1862" b="0" i="0" u="none" strike="noStrike" kern="1200" spc="0" baseline="0">
+              <a:solidFill>
+                <a:schemeClr val="tx1">
+                  <a:lumMod val="65000"/>
+                  <a:lumOff val="35000"/>
+                </a:schemeClr>
+              </a:solidFill>
+              <a:latin typeface="+mn-lt"/>
+              <a:ea typeface="+mn-ea"/>
+              <a:cs typeface="+mn-cs"/>
+            </a:defRPr>
+          </a:pPr>
+          <a:endParaRPr lang="de-DE"/>
+        </a:p>
+      </c:txPr>
+    </c:title>
+    <c:autoTitleDeleted val="0"/>
+    <c:plotArea>
+      <c:layout/>
+      <c:barChart>
+        <c:barDir val="bar"/>
+        <c:grouping val="clustered"/>
+        <c:varyColors val="0"/>
+        <c:ser>
+          <c:idx val="0"/>
+          <c:order val="0"/>
+          <c:tx>
+            <c:strRef>
+              <c:f>Tabelle1!$B$1</c:f>
+              <c:strCache>
+                <c:ptCount val="1"/>
+                <c:pt idx="0">
+                  <c:v>Kalkulierte Zeit</c:v>
+                </c:pt>
+              </c:strCache>
+            </c:strRef>
+          </c:tx>
+          <c:spPr>
+            <a:solidFill>
+              <a:schemeClr val="accent6">
+                <a:lumMod val="75000"/>
+              </a:schemeClr>
+            </a:solidFill>
+            <a:ln>
+              <a:noFill/>
+            </a:ln>
+            <a:effectLst/>
+          </c:spPr>
+          <c:invertIfNegative val="0"/>
+          <c:cat>
+            <c:strRef>
+              <c:f>Tabelle1!$A$2</c:f>
+              <c:strCache>
+                <c:ptCount val="1"/>
+                <c:pt idx="0">
+                  <c:v>Projekt 1</c:v>
+                </c:pt>
+              </c:strCache>
+            </c:strRef>
+          </c:cat>
+          <c:val>
+            <c:numRef>
+              <c:f>Tabelle1!$B$2</c:f>
+              <c:numCache>
+                <c:formatCode>General</c:formatCode>
+                <c:ptCount val="1"/>
+                <c:pt idx="0">
+                  <c:v>8</c:v>
+                </c:pt>
+              </c:numCache>
+            </c:numRef>
+          </c:val>
+          <c:extLst>
+            <c:ext xmlns:c16="http://schemas.microsoft.com/office/drawing/2014/chart" uri="{C3380CC4-5D6E-409C-BE32-E72D297353CC}">
+              <c16:uniqueId val="{00000000-E992-43BA-A863-15A037184C00}"/>
+            </c:ext>
+          </c:extLst>
+        </c:ser>
+        <c:ser>
+          <c:idx val="1"/>
+          <c:order val="1"/>
+          <c:tx>
+            <c:strRef>
+              <c:f>Tabelle1!$C$1</c:f>
+              <c:strCache>
+                <c:ptCount val="1"/>
+                <c:pt idx="0">
+                  <c:v>Ist Zeit</c:v>
+                </c:pt>
+              </c:strCache>
+            </c:strRef>
+          </c:tx>
+          <c:spPr>
+            <a:solidFill>
+              <a:schemeClr val="accent4">
+                <a:lumMod val="60000"/>
+                <a:lumOff val="40000"/>
+              </a:schemeClr>
+            </a:solidFill>
+            <a:ln>
+              <a:noFill/>
+            </a:ln>
+            <a:effectLst/>
+          </c:spPr>
+          <c:invertIfNegative val="0"/>
+          <c:cat>
+            <c:strRef>
+              <c:f>Tabelle1!$A$2</c:f>
+              <c:strCache>
+                <c:ptCount val="1"/>
+                <c:pt idx="0">
+                  <c:v>Projekt 1</c:v>
+                </c:pt>
+              </c:strCache>
+            </c:strRef>
+          </c:cat>
+          <c:val>
+            <c:numRef>
+              <c:f>Tabelle1!$C$2</c:f>
+              <c:numCache>
+                <c:formatCode>General</c:formatCode>
+                <c:ptCount val="1"/>
+                <c:pt idx="0">
+                  <c:v>10</c:v>
+                </c:pt>
+              </c:numCache>
+            </c:numRef>
+          </c:val>
+          <c:extLst>
+            <c:ext xmlns:c16="http://schemas.microsoft.com/office/drawing/2014/chart" uri="{C3380CC4-5D6E-409C-BE32-E72D297353CC}">
+              <c16:uniqueId val="{00000001-E992-43BA-A863-15A037184C00}"/>
+            </c:ext>
+          </c:extLst>
+        </c:ser>
+        <c:ser>
+          <c:idx val="2"/>
+          <c:order val="2"/>
+          <c:tx>
+            <c:strRef>
+              <c:f>Tabelle1!$D$1</c:f>
+              <c:strCache>
+                <c:ptCount val="1"/>
+                <c:pt idx="0">
+                  <c:v>Verzugszeit</c:v>
+                </c:pt>
+              </c:strCache>
+            </c:strRef>
+          </c:tx>
+          <c:spPr>
+            <a:solidFill>
+              <a:srgbClr val="FF0000"/>
+            </a:solidFill>
+            <a:ln>
+              <a:noFill/>
+            </a:ln>
+            <a:effectLst/>
+          </c:spPr>
+          <c:invertIfNegative val="0"/>
+          <c:cat>
+            <c:strRef>
+              <c:f>Tabelle1!$A$2</c:f>
+              <c:strCache>
+                <c:ptCount val="1"/>
+                <c:pt idx="0">
+                  <c:v>Projekt 1</c:v>
+                </c:pt>
+              </c:strCache>
+            </c:strRef>
+          </c:cat>
+          <c:val>
+            <c:numRef>
+              <c:f>Tabelle1!$D$2</c:f>
+              <c:numCache>
+                <c:formatCode>General</c:formatCode>
+                <c:ptCount val="1"/>
+                <c:pt idx="0">
+                  <c:v>2</c:v>
+                </c:pt>
+              </c:numCache>
+            </c:numRef>
+          </c:val>
+          <c:extLst>
+            <c:ext xmlns:c16="http://schemas.microsoft.com/office/drawing/2014/chart" uri="{C3380CC4-5D6E-409C-BE32-E72D297353CC}">
+              <c16:uniqueId val="{00000002-E992-43BA-A863-15A037184C00}"/>
+            </c:ext>
+          </c:extLst>
+        </c:ser>
+        <c:dLbls>
+          <c:showLegendKey val="0"/>
+          <c:showVal val="0"/>
+          <c:showCatName val="0"/>
+          <c:showSerName val="0"/>
+          <c:showPercent val="0"/>
+          <c:showBubbleSize val="0"/>
+        </c:dLbls>
+        <c:gapWidth val="182"/>
+        <c:axId val="304927504"/>
+        <c:axId val="354557456"/>
+      </c:barChart>
+      <c:catAx>
+        <c:axId val="304927504"/>
+        <c:scaling>
+          <c:orientation val="minMax"/>
+        </c:scaling>
+        <c:delete val="0"/>
+        <c:axPos val="l"/>
+        <c:numFmt formatCode="General" sourceLinked="1"/>
+        <c:majorTickMark val="none"/>
+        <c:minorTickMark val="none"/>
+        <c:tickLblPos val="nextTo"/>
+        <c:spPr>
+          <a:noFill/>
+          <a:ln w="9525" cap="flat" cmpd="sng" algn="ctr">
+            <a:solidFill>
+              <a:schemeClr val="tx1">
+                <a:lumMod val="15000"/>
+                <a:lumOff val="85000"/>
+              </a:schemeClr>
+            </a:solidFill>
+            <a:round/>
+          </a:ln>
+          <a:effectLst/>
+        </c:spPr>
+        <c:txPr>
+          <a:bodyPr rot="-60000000" spcFirstLastPara="1" vertOverflow="ellipsis" vert="horz" wrap="square" anchor="ctr" anchorCtr="1"/>
+          <a:lstStyle/>
+          <a:p>
+            <a:pPr>
+              <a:defRPr sz="1197" b="0" i="0" u="none" strike="noStrike" kern="1200" baseline="0">
+                <a:solidFill>
+                  <a:schemeClr val="tx1">
+                    <a:lumMod val="65000"/>
+                    <a:lumOff val="35000"/>
+                  </a:schemeClr>
+                </a:solidFill>
+                <a:latin typeface="+mn-lt"/>
+                <a:ea typeface="+mn-ea"/>
+                <a:cs typeface="+mn-cs"/>
+              </a:defRPr>
+            </a:pPr>
+            <a:endParaRPr lang="de-DE"/>
+          </a:p>
+        </c:txPr>
+        <c:crossAx val="354557456"/>
+        <c:crosses val="autoZero"/>
+        <c:auto val="1"/>
+        <c:lblAlgn val="ctr"/>
+        <c:lblOffset val="100"/>
+        <c:noMultiLvlLbl val="0"/>
+      </c:catAx>
+      <c:valAx>
+        <c:axId val="354557456"/>
+        <c:scaling>
+          <c:orientation val="minMax"/>
+        </c:scaling>
+        <c:delete val="0"/>
+        <c:axPos val="b"/>
+        <c:majorGridlines>
+          <c:spPr>
+            <a:ln w="9525" cap="flat" cmpd="sng" algn="ctr">
+              <a:solidFill>
+                <a:schemeClr val="tx1">
+                  <a:lumMod val="15000"/>
+                  <a:lumOff val="85000"/>
+                </a:schemeClr>
+              </a:solidFill>
+              <a:round/>
+            </a:ln>
+            <a:effectLst/>
+          </c:spPr>
+        </c:majorGridlines>
+        <c:numFmt formatCode="General" sourceLinked="1"/>
+        <c:majorTickMark val="none"/>
+        <c:minorTickMark val="none"/>
+        <c:tickLblPos val="nextTo"/>
+        <c:spPr>
+          <a:noFill/>
+          <a:ln>
+            <a:noFill/>
+          </a:ln>
+          <a:effectLst/>
+        </c:spPr>
+        <c:txPr>
+          <a:bodyPr rot="-60000000" spcFirstLastPara="1" vertOverflow="ellipsis" vert="horz" wrap="square" anchor="ctr" anchorCtr="1"/>
+          <a:lstStyle/>
+          <a:p>
+            <a:pPr>
+              <a:defRPr sz="1197" b="0" i="0" u="none" strike="noStrike" kern="1200" baseline="0">
+                <a:solidFill>
+                  <a:schemeClr val="tx1">
+                    <a:lumMod val="65000"/>
+                    <a:lumOff val="35000"/>
+                  </a:schemeClr>
+                </a:solidFill>
+                <a:latin typeface="+mn-lt"/>
+                <a:ea typeface="+mn-ea"/>
+                <a:cs typeface="+mn-cs"/>
+              </a:defRPr>
+            </a:pPr>
+            <a:endParaRPr lang="de-DE"/>
+          </a:p>
+        </c:txPr>
+        <c:crossAx val="304927504"/>
+        <c:crosses val="autoZero"/>
+        <c:crossBetween val="between"/>
+      </c:valAx>
+      <c:spPr>
+        <a:noFill/>
+        <a:ln>
+          <a:noFill/>
+        </a:ln>
+        <a:effectLst/>
+      </c:spPr>
+    </c:plotArea>
+    <c:legend>
+      <c:legendPos val="b"/>
+      <c:overlay val="0"/>
+      <c:spPr>
+        <a:noFill/>
+        <a:ln>
+          <a:noFill/>
+        </a:ln>
+        <a:effectLst/>
+      </c:spPr>
+      <c:txPr>
+        <a:bodyPr rot="0" spcFirstLastPara="1" vertOverflow="ellipsis" vert="horz" wrap="square" anchor="ctr" anchorCtr="1"/>
+        <a:lstStyle/>
+        <a:p>
+          <a:pPr>
+            <a:defRPr sz="1197" b="0" i="0" u="none" strike="noStrike" kern="1200" baseline="0">
+              <a:solidFill>
+                <a:schemeClr val="tx1">
+                  <a:lumMod val="65000"/>
+                  <a:lumOff val="35000"/>
+                </a:schemeClr>
+              </a:solidFill>
+              <a:latin typeface="+mn-lt"/>
+              <a:ea typeface="+mn-ea"/>
+              <a:cs typeface="+mn-cs"/>
+            </a:defRPr>
+          </a:pPr>
+          <a:endParaRPr lang="de-DE"/>
+        </a:p>
+      </c:txPr>
+    </c:legend>
+    <c:plotVisOnly val="1"/>
+    <c:dispBlanksAs val="gap"/>
+    <c:showDLblsOverMax val="0"/>
+  </c:chart>
+  <c:spPr>
+    <a:noFill/>
+    <a:ln>
+      <a:noFill/>
+    </a:ln>
+    <a:effectLst/>
+  </c:spPr>
+  <c:txPr>
+    <a:bodyPr/>
+    <a:lstStyle/>
+    <a:p>
+      <a:pPr>
+        <a:defRPr/>
+      </a:pPr>
+      <a:endParaRPr lang="de-DE"/>
+    </a:p>
+  </c:txPr>
+  <c:externalData r:id="rId3">
+    <c:autoUpdate val="0"/>
+  </c:externalData>
+</c:chartSpace>
+</file>
+
+<file path=ppt/charts/colors1.xml><?xml version="1.0" encoding="utf-8"?>
+<cs:colorStyle xmlns:cs="http://schemas.microsoft.com/office/drawing/2012/chartStyle" xmlns:a="http://schemas.openxmlformats.org/drawingml/2006/main" meth="cycle" id="10">
+  <a:schemeClr val="accent1"/>
+  <a:schemeClr val="accent2"/>
+  <a:schemeClr val="accent3"/>
+  <a:schemeClr val="accent4"/>
+  <a:schemeClr val="accent5"/>
+  <a:schemeClr val="accent6"/>
+  <cs:variation/>
+  <cs:variation>
+    <a:lumMod val="60000"/>
+  </cs:variation>
+  <cs:variation>
+    <a:lumMod val="80000"/>
+    <a:lumOff val="20000"/>
+  </cs:variation>
+  <cs:variation>
+    <a:lumMod val="80000"/>
+  </cs:variation>
+  <cs:variation>
+    <a:lumMod val="60000"/>
+    <a:lumOff val="40000"/>
+  </cs:variation>
+  <cs:variation>
+    <a:lumMod val="50000"/>
+  </cs:variation>
+  <cs:variation>
+    <a:lumMod val="70000"/>
+    <a:lumOff val="30000"/>
+  </cs:variation>
+  <cs:variation>
+    <a:lumMod val="70000"/>
+  </cs:variation>
+  <cs:variation>
+    <a:lumMod val="50000"/>
+    <a:lumOff val="50000"/>
+  </cs:variation>
+</cs:colorStyle>
+</file>
+
+<file path=ppt/charts/colors2.xml><?xml version="1.0" encoding="utf-8"?>
+<cs:colorStyle xmlns:cs="http://schemas.microsoft.com/office/drawing/2012/chartStyle" xmlns:a="http://schemas.openxmlformats.org/drawingml/2006/main" meth="cycle" id="10">
+  <a:schemeClr val="accent1"/>
+  <a:schemeClr val="accent2"/>
+  <a:schemeClr val="accent3"/>
+  <a:schemeClr val="accent4"/>
+  <a:schemeClr val="accent5"/>
+  <a:schemeClr val="accent6"/>
+  <cs:variation/>
+  <cs:variation>
+    <a:lumMod val="60000"/>
+  </cs:variation>
+  <cs:variation>
+    <a:lumMod val="80000"/>
+    <a:lumOff val="20000"/>
+  </cs:variation>
+  <cs:variation>
+    <a:lumMod val="80000"/>
+  </cs:variation>
+  <cs:variation>
+    <a:lumMod val="60000"/>
+    <a:lumOff val="40000"/>
+  </cs:variation>
+  <cs:variation>
+    <a:lumMod val="50000"/>
+  </cs:variation>
+  <cs:variation>
+    <a:lumMod val="70000"/>
+    <a:lumOff val="30000"/>
+  </cs:variation>
+  <cs:variation>
+    <a:lumMod val="70000"/>
+  </cs:variation>
+  <cs:variation>
+    <a:lumMod val="50000"/>
+    <a:lumOff val="50000"/>
+  </cs:variation>
+</cs:colorStyle>
+</file>
+
+<file path=ppt/charts/style1.xml><?xml version="1.0" encoding="utf-8"?>
+<cs:chartStyle xmlns:cs="http://schemas.microsoft.com/office/drawing/2012/chartStyle" xmlns:a="http://schemas.openxmlformats.org/drawingml/2006/main" id="201">
+  <cs:axisTitle>
+    <cs:lnRef idx="0"/>
+    <cs:fillRef idx="0"/>
+    <cs:effectRef idx="0"/>
+    <cs:fontRef idx="minor">
+      <a:schemeClr val="tx1">
+        <a:lumMod val="65000"/>
+        <a:lumOff val="35000"/>
+      </a:schemeClr>
+    </cs:fontRef>
+    <cs:defRPr sz="1330" kern="1200"/>
+  </cs:axisTitle>
+  <cs:categoryAxis>
+    <cs:lnRef idx="0"/>
+    <cs:fillRef idx="0"/>
+    <cs:effectRef idx="0"/>
+    <cs:fontRef idx="minor">
+      <a:schemeClr val="tx1">
+        <a:lumMod val="65000"/>
+        <a:lumOff val="35000"/>
+      </a:schemeClr>
+    </cs:fontRef>
+    <cs:spPr>
+      <a:ln w="9525" cap="flat" cmpd="sng" algn="ctr">
+        <a:solidFill>
+          <a:schemeClr val="tx1">
+            <a:lumMod val="15000"/>
+            <a:lumOff val="85000"/>
+          </a:schemeClr>
+        </a:solidFill>
+        <a:round/>
+      </a:ln>
+    </cs:spPr>
+    <cs:defRPr sz="1197" kern="1200"/>
+  </cs:categoryAxis>
+  <cs:chartArea mods="allowNoFillOverride allowNoLineOverride">
+    <cs:lnRef idx="0"/>
+    <cs:fillRef idx="0"/>
+    <cs:effectRef idx="0"/>
+    <cs:fontRef idx="minor">
+      <a:schemeClr val="tx1"/>
+    </cs:fontRef>
+    <cs:spPr>
+      <a:solidFill>
+        <a:schemeClr val="bg1"/>
+      </a:solidFill>
+      <a:ln w="9525" cap="flat" cmpd="sng" algn="ctr">
+        <a:solidFill>
+          <a:schemeClr val="tx1">
+            <a:lumMod val="15000"/>
+            <a:lumOff val="85000"/>
+          </a:schemeClr>
+        </a:solidFill>
+        <a:round/>
+      </a:ln>
+    </cs:spPr>
+    <cs:defRPr sz="1330" kern="1200"/>
+  </cs:chartArea>
+  <cs:dataLabel>
+    <cs:lnRef idx="0"/>
+    <cs:fillRef idx="0"/>
+    <cs:effectRef idx="0"/>
+    <cs:fontRef idx="minor">
+      <a:schemeClr val="tx1">
+        <a:lumMod val="75000"/>
+        <a:lumOff val="25000"/>
+      </a:schemeClr>
+    </cs:fontRef>
+    <cs:defRPr sz="1197" kern="1200"/>
+  </cs:dataLabel>
+  <cs:dataLabelCallout>
+    <cs:lnRef idx="0"/>
+    <cs:fillRef idx="0"/>
+    <cs:effectRef idx="0"/>
+    <cs:fontRef idx="minor">
+      <a:schemeClr val="dk1">
+        <a:lumMod val="65000"/>
+        <a:lumOff val="35000"/>
+      </a:schemeClr>
+    </cs:fontRef>
+    <cs:spPr>
+      <a:solidFill>
+        <a:schemeClr val="lt1"/>
+      </a:solidFill>
+      <a:ln>
+        <a:solidFill>
+          <a:schemeClr val="dk1">
+            <a:lumMod val="25000"/>
+            <a:lumOff val="75000"/>
+          </a:schemeClr>
+        </a:solidFill>
+      </a:ln>
+    </cs:spPr>
+    <cs:defRPr sz="1197" kern="1200"/>
+    <cs:bodyPr rot="0" spcFirstLastPara="1" vertOverflow="clip" horzOverflow="clip" vert="horz" wrap="square" lIns="36576" tIns="18288" rIns="36576" bIns="18288" anchor="ctr" anchorCtr="1">
+      <a:spAutoFit/>
+    </cs:bodyPr>
+  </cs:dataLabelCallout>
+  <cs:dataPoint>
+    <cs:lnRef idx="0"/>
+    <cs:fillRef idx="1">
+      <cs:styleClr val="auto"/>
+    </cs:fillRef>
+    <cs:effectRef idx="0"/>
+    <cs:fontRef idx="minor">
+      <a:schemeClr val="tx1"/>
+    </cs:fontRef>
+  </cs:dataPoint>
+  <cs:dataPoint3D>
+    <cs:lnRef idx="0"/>
+    <cs:fillRef idx="1">
+      <cs:styleClr val="auto"/>
+    </cs:fillRef>
+    <cs:effectRef idx="0"/>
+    <cs:fontRef idx="minor">
+      <a:schemeClr val="tx1"/>
+    </cs:fontRef>
+  </cs:dataPoint3D>
+  <cs:dataPointLine>
+    <cs:lnRef idx="0">
+      <cs:styleClr val="auto"/>
+    </cs:lnRef>
+    <cs:fillRef idx="1"/>
+    <cs:effectRef idx="0"/>
+    <cs:fontRef idx="minor">
+      <a:schemeClr val="tx1"/>
+    </cs:fontRef>
+    <cs:spPr>
+      <a:ln w="28575" cap="rnd">
+        <a:solidFill>
+          <a:schemeClr val="phClr"/>
+        </a:solidFill>
+        <a:round/>
+      </a:ln>
+    </cs:spPr>
+  </cs:dataPointLine>
+  <cs:dataPointMarker>
+    <cs:lnRef idx="0">
+      <cs:styleClr val="auto"/>
+    </cs:lnRef>
+    <cs:fillRef idx="1">
+      <cs:styleClr val="auto"/>
+    </cs:fillRef>
+    <cs:effectRef idx="0"/>
+    <cs:fontRef idx="minor">
+      <a:schemeClr val="tx1"/>
+    </cs:fontRef>
+    <cs:spPr>
+      <a:ln w="9525">
+        <a:solidFill>
+          <a:schemeClr val="phClr"/>
+        </a:solidFill>
+      </a:ln>
+    </cs:spPr>
+  </cs:dataPointMarker>
+  <cs:dataPointMarkerLayout symbol="circle" size="5"/>
+  <cs:dataPointWireframe>
+    <cs:lnRef idx="0">
+      <cs:styleClr val="auto"/>
+    </cs:lnRef>
+    <cs:fillRef idx="1"/>
+    <cs:effectRef idx="0"/>
+    <cs:fontRef idx="minor">
+      <a:schemeClr val="tx1"/>
+    </cs:fontRef>
+    <cs:spPr>
+      <a:ln w="9525" cap="rnd">
+        <a:solidFill>
+          <a:schemeClr val="phClr"/>
+        </a:solidFill>
+        <a:round/>
+      </a:ln>
+    </cs:spPr>
+  </cs:dataPointWireframe>
+  <cs:dataTable>
+    <cs:lnRef idx="0"/>
+    <cs:fillRef idx="0"/>
+    <cs:effectRef idx="0"/>
+    <cs:fontRef idx="minor">
+      <a:schemeClr val="tx1">
+        <a:lumMod val="65000"/>
+        <a:lumOff val="35000"/>
+      </a:schemeClr>
+    </cs:fontRef>
+    <cs:spPr>
+      <a:noFill/>
+      <a:ln w="9525" cap="flat" cmpd="sng" algn="ctr">
+        <a:solidFill>
+          <a:schemeClr val="tx1">
+            <a:lumMod val="15000"/>
+            <a:lumOff val="85000"/>
+          </a:schemeClr>
+        </a:solidFill>
+        <a:round/>
+      </a:ln>
+    </cs:spPr>
+    <cs:defRPr sz="1197" kern="1200"/>
+  </cs:dataTable>
+  <cs:downBar>
+    <cs:lnRef idx="0"/>
+    <cs:fillRef idx="0"/>
+    <cs:effectRef idx="0"/>
+    <cs:fontRef idx="minor">
+      <a:schemeClr val="dk1"/>
+    </cs:fontRef>
+    <cs:spPr>
+      <a:solidFill>
+        <a:schemeClr val="dk1">
+          <a:lumMod val="65000"/>
+          <a:lumOff val="35000"/>
+        </a:schemeClr>
+      </a:solidFill>
+      <a:ln w="9525">
+        <a:solidFill>
+          <a:schemeClr val="tx1">
+            <a:lumMod val="65000"/>
+            <a:lumOff val="35000"/>
+          </a:schemeClr>
+        </a:solidFill>
+      </a:ln>
+    </cs:spPr>
+  </cs:downBar>
+  <cs:dropLine>
+    <cs:lnRef idx="0"/>
+    <cs:fillRef idx="0"/>
+    <cs:effectRef idx="0"/>
+    <cs:fontRef idx="minor">
+      <a:schemeClr val="tx1"/>
+    </cs:fontRef>
+    <cs:spPr>
+      <a:ln w="9525" cap="flat" cmpd="sng" algn="ctr">
+        <a:solidFill>
+          <a:schemeClr val="tx1">
+            <a:lumMod val="35000"/>
+            <a:lumOff val="65000"/>
+          </a:schemeClr>
+        </a:solidFill>
+        <a:round/>
+      </a:ln>
+    </cs:spPr>
+  </cs:dropLine>
+  <cs:errorBar>
+    <cs:lnRef idx="0"/>
+    <cs:fillRef idx="0"/>
+    <cs:effectRef idx="0"/>
+    <cs:fontRef idx="minor">
+      <a:schemeClr val="tx1"/>
+    </cs:fontRef>
+    <cs:spPr>
+      <a:ln w="9525" cap="flat" cmpd="sng" algn="ctr">
+        <a:solidFill>
+          <a:schemeClr val="tx1">
+            <a:lumMod val="65000"/>
+            <a:lumOff val="35000"/>
+          </a:schemeClr>
+        </a:solidFill>
+        <a:round/>
+      </a:ln>
+    </cs:spPr>
+  </cs:errorBar>
+  <cs:floor>
+    <cs:lnRef idx="0"/>
+    <cs:fillRef idx="0"/>
+    <cs:effectRef idx="0"/>
+    <cs:fontRef idx="minor">
+      <a:schemeClr val="tx1"/>
+    </cs:fontRef>
+    <cs:spPr>
+      <a:noFill/>
+      <a:ln>
+        <a:noFill/>
+      </a:ln>
+    </cs:spPr>
+  </cs:floor>
+  <cs:gridlineMajor>
+    <cs:lnRef idx="0"/>
+    <cs:fillRef idx="0"/>
+    <cs:effectRef idx="0"/>
+    <cs:fontRef idx="minor">
+      <a:schemeClr val="tx1"/>
+    </cs:fontRef>
+    <cs:spPr>
+      <a:ln w="9525" cap="flat" cmpd="sng" algn="ctr">
+        <a:solidFill>
+          <a:schemeClr val="tx1">
+            <a:lumMod val="15000"/>
+            <a:lumOff val="85000"/>
+          </a:schemeClr>
+        </a:solidFill>
+        <a:round/>
+      </a:ln>
+    </cs:spPr>
+  </cs:gridlineMajor>
+  <cs:gridlineMinor>
+    <cs:lnRef idx="0"/>
+    <cs:fillRef idx="0"/>
+    <cs:effectRef idx="0"/>
+    <cs:fontRef idx="minor">
+      <a:schemeClr val="tx1"/>
+    </cs:fontRef>
+    <cs:spPr>
+      <a:ln w="9525" cap="flat" cmpd="sng" algn="ctr">
+        <a:solidFill>
+          <a:schemeClr val="tx1">
+            <a:lumMod val="5000"/>
+            <a:lumOff val="95000"/>
+          </a:schemeClr>
+        </a:solidFill>
+        <a:round/>
+      </a:ln>
+    </cs:spPr>
+  </cs:gridlineMinor>
+  <cs:hiLoLine>
+    <cs:lnRef idx="0"/>
+    <cs:fillRef idx="0"/>
+    <cs:effectRef idx="0"/>
+    <cs:fontRef idx="minor">
+      <a:schemeClr val="tx1"/>
+    </cs:fontRef>
+    <cs:spPr>
+      <a:ln w="9525" cap="flat" cmpd="sng" algn="ctr">
+        <a:solidFill>
+          <a:schemeClr val="tx1">
+            <a:lumMod val="75000"/>
+            <a:lumOff val="25000"/>
+          </a:schemeClr>
+        </a:solidFill>
+        <a:round/>
+      </a:ln>
+    </cs:spPr>
+  </cs:hiLoLine>
+  <cs:leaderLine>
+    <cs:lnRef idx="0"/>
+    <cs:fillRef idx="0"/>
+    <cs:effectRef idx="0"/>
+    <cs:fontRef idx="minor">
+      <a:schemeClr val="tx1"/>
+    </cs:fontRef>
+    <cs:spPr>
+      <a:ln w="9525" cap="flat" cmpd="sng" algn="ctr">
+        <a:solidFill>
+          <a:schemeClr val="tx1">
+            <a:lumMod val="35000"/>
+            <a:lumOff val="65000"/>
+          </a:schemeClr>
+        </a:solidFill>
+        <a:round/>
+      </a:ln>
+    </cs:spPr>
+  </cs:leaderLine>
+  <cs:legend>
+    <cs:lnRef idx="0"/>
+    <cs:fillRef idx="0"/>
+    <cs:effectRef idx="0"/>
+    <cs:fontRef idx="minor">
+      <a:schemeClr val="tx1">
+        <a:lumMod val="65000"/>
+        <a:lumOff val="35000"/>
+      </a:schemeClr>
+    </cs:fontRef>
+    <cs:defRPr sz="1197" kern="1200"/>
+  </cs:legend>
+  <cs:plotArea mods="allowNoFillOverride allowNoLineOverride">
+    <cs:lnRef idx="0"/>
+    <cs:fillRef idx="0"/>
+    <cs:effectRef idx="0"/>
+    <cs:fontRef idx="minor">
+      <a:schemeClr val="tx1"/>
+    </cs:fontRef>
+  </cs:plotArea>
+  <cs:plotArea3D mods="allowNoFillOverride allowNoLineOverride">
+    <cs:lnRef idx="0"/>
+    <cs:fillRef idx="0"/>
+    <cs:effectRef idx="0"/>
+    <cs:fontRef idx="minor">
+      <a:schemeClr val="tx1"/>
+    </cs:fontRef>
+  </cs:plotArea3D>
+  <cs:seriesAxis>
+    <cs:lnRef idx="0"/>
+    <cs:fillRef idx="0"/>
+    <cs:effectRef idx="0"/>
+    <cs:fontRef idx="minor">
+      <a:schemeClr val="tx1">
+        <a:lumMod val="65000"/>
+        <a:lumOff val="35000"/>
+      </a:schemeClr>
+    </cs:fontRef>
+    <cs:defRPr sz="1197" kern="1200"/>
+  </cs:seriesAxis>
+  <cs:seriesLine>
+    <cs:lnRef idx="0"/>
+    <cs:fillRef idx="0"/>
+    <cs:effectRef idx="0"/>
+    <cs:fontRef idx="minor">
+      <a:schemeClr val="tx1"/>
+    </cs:fontRef>
+    <cs:spPr>
+      <a:ln w="9525" cap="flat" cmpd="sng" algn="ctr">
+        <a:solidFill>
+          <a:schemeClr val="tx1">
+            <a:lumMod val="35000"/>
+            <a:lumOff val="65000"/>
+          </a:schemeClr>
+        </a:solidFill>
+        <a:round/>
+      </a:ln>
+    </cs:spPr>
+  </cs:seriesLine>
+  <cs:title>
+    <cs:lnRef idx="0"/>
+    <cs:fillRef idx="0"/>
+    <cs:effectRef idx="0"/>
+    <cs:fontRef idx="minor">
+      <a:schemeClr val="tx1">
+        <a:lumMod val="65000"/>
+        <a:lumOff val="35000"/>
+      </a:schemeClr>
+    </cs:fontRef>
+    <cs:defRPr sz="1862" b="0" kern="1200" spc="0" baseline="0"/>
+  </cs:title>
+  <cs:trendline>
+    <cs:lnRef idx="0">
+      <cs:styleClr val="auto"/>
+    </cs:lnRef>
+    <cs:fillRef idx="0"/>
+    <cs:effectRef idx="0"/>
+    <cs:fontRef idx="minor">
+      <a:schemeClr val="tx1"/>
+    </cs:fontRef>
+    <cs:spPr>
+      <a:ln w="19050" cap="rnd">
+        <a:solidFill>
+          <a:schemeClr val="phClr"/>
+        </a:solidFill>
+        <a:prstDash val="sysDot"/>
+      </a:ln>
+    </cs:spPr>
+  </cs:trendline>
+  <cs:trendlineLabel>
+    <cs:lnRef idx="0"/>
+    <cs:fillRef idx="0"/>
+    <cs:effectRef idx="0"/>
+    <cs:fontRef idx="minor">
+      <a:schemeClr val="tx1">
+        <a:lumMod val="65000"/>
+        <a:lumOff val="35000"/>
+      </a:schemeClr>
+    </cs:fontRef>
+    <cs:defRPr sz="1197" kern="1200"/>
+  </cs:trendlineLabel>
+  <cs:upBar>
+    <cs:lnRef idx="0"/>
+    <cs:fillRef idx="0"/>
+    <cs:effectRef idx="0"/>
+    <cs:fontRef idx="minor">
+      <a:schemeClr val="dk1"/>
+    </cs:fontRef>
+    <cs:spPr>
+      <a:solidFill>
+        <a:schemeClr val="lt1"/>
+      </a:solidFill>
+      <a:ln w="9525">
+        <a:solidFill>
+          <a:schemeClr val="tx1">
+            <a:lumMod val="15000"/>
+            <a:lumOff val="85000"/>
+          </a:schemeClr>
+        </a:solidFill>
+      </a:ln>
+    </cs:spPr>
+  </cs:upBar>
+  <cs:valueAxis>
+    <cs:lnRef idx="0"/>
+    <cs:fillRef idx="0"/>
+    <cs:effectRef idx="0"/>
+    <cs:fontRef idx="minor">
+      <a:schemeClr val="tx1">
+        <a:lumMod val="65000"/>
+        <a:lumOff val="35000"/>
+      </a:schemeClr>
+    </cs:fontRef>
+    <cs:defRPr sz="1197" kern="1200"/>
+  </cs:valueAxis>
+  <cs:wall>
+    <cs:lnRef idx="0"/>
+    <cs:fillRef idx="0"/>
+    <cs:effectRef idx="0"/>
+    <cs:fontRef idx="minor">
+      <a:schemeClr val="tx1"/>
+    </cs:fontRef>
+    <cs:spPr>
+      <a:noFill/>
+      <a:ln>
+        <a:noFill/>
+      </a:ln>
+    </cs:spPr>
+  </cs:wall>
+</cs:chartStyle>
+</file>
+
+<file path=ppt/charts/style2.xml><?xml version="1.0" encoding="utf-8"?>
+<cs:chartStyle xmlns:cs="http://schemas.microsoft.com/office/drawing/2012/chartStyle" xmlns:a="http://schemas.openxmlformats.org/drawingml/2006/main" id="216">
+  <cs:axisTitle>
+    <cs:lnRef idx="0"/>
+    <cs:fillRef idx="0"/>
+    <cs:effectRef idx="0"/>
+    <cs:fontRef idx="minor">
+      <a:schemeClr val="tx1">
+        <a:lumMod val="65000"/>
+        <a:lumOff val="35000"/>
+      </a:schemeClr>
+    </cs:fontRef>
+    <cs:defRPr sz="1330" kern="1200"/>
+  </cs:axisTitle>
+  <cs:categoryAxis>
+    <cs:lnRef idx="0"/>
+    <cs:fillRef idx="0"/>
+    <cs:effectRef idx="0"/>
+    <cs:fontRef idx="minor">
+      <a:schemeClr val="tx1">
+        <a:lumMod val="65000"/>
+        <a:lumOff val="35000"/>
+      </a:schemeClr>
+    </cs:fontRef>
+    <cs:spPr>
+      <a:ln w="9525" cap="flat" cmpd="sng" algn="ctr">
+        <a:solidFill>
+          <a:schemeClr val="tx1">
+            <a:lumMod val="15000"/>
+            <a:lumOff val="85000"/>
+          </a:schemeClr>
+        </a:solidFill>
+        <a:round/>
+      </a:ln>
+    </cs:spPr>
+    <cs:defRPr sz="1197" kern="1200"/>
+  </cs:categoryAxis>
+  <cs:chartArea mods="allowNoFillOverride allowNoLineOverride">
+    <cs:lnRef idx="0"/>
+    <cs:fillRef idx="0"/>
+    <cs:effectRef idx="0"/>
+    <cs:fontRef idx="minor">
+      <a:schemeClr val="tx1"/>
+    </cs:fontRef>
+    <cs:spPr>
+      <a:solidFill>
+        <a:schemeClr val="bg1"/>
+      </a:solidFill>
+      <a:ln w="9525" cap="flat" cmpd="sng" algn="ctr">
+        <a:solidFill>
+          <a:schemeClr val="tx1">
+            <a:lumMod val="15000"/>
+            <a:lumOff val="85000"/>
+          </a:schemeClr>
+        </a:solidFill>
+        <a:round/>
+      </a:ln>
+    </cs:spPr>
+    <cs:defRPr sz="1330" kern="1200"/>
+  </cs:chartArea>
+  <cs:dataLabel>
+    <cs:lnRef idx="0"/>
+    <cs:fillRef idx="0"/>
+    <cs:effectRef idx="0"/>
+    <cs:fontRef idx="minor">
+      <a:schemeClr val="tx1">
+        <a:lumMod val="75000"/>
+        <a:lumOff val="25000"/>
+      </a:schemeClr>
+    </cs:fontRef>
+    <cs:defRPr sz="1197" kern="1200"/>
+  </cs:dataLabel>
+  <cs:dataLabelCallout>
+    <cs:lnRef idx="0"/>
+    <cs:fillRef idx="0"/>
+    <cs:effectRef idx="0"/>
+    <cs:fontRef idx="minor">
+      <a:schemeClr val="dk1">
+        <a:lumMod val="65000"/>
+        <a:lumOff val="35000"/>
+      </a:schemeClr>
+    </cs:fontRef>
+    <cs:spPr>
+      <a:solidFill>
+        <a:schemeClr val="lt1"/>
+      </a:solidFill>
+      <a:ln>
+        <a:solidFill>
+          <a:schemeClr val="dk1">
+            <a:lumMod val="25000"/>
+            <a:lumOff val="75000"/>
+          </a:schemeClr>
+        </a:solidFill>
+      </a:ln>
+    </cs:spPr>
+    <cs:defRPr sz="1197" kern="1200"/>
+    <cs:bodyPr rot="0" spcFirstLastPara="1" vertOverflow="clip" horzOverflow="clip" vert="horz" wrap="square" lIns="36576" tIns="18288" rIns="36576" bIns="18288" anchor="ctr" anchorCtr="1">
+      <a:spAutoFit/>
+    </cs:bodyPr>
+  </cs:dataLabelCallout>
+  <cs:dataPoint>
+    <cs:lnRef idx="0"/>
+    <cs:fillRef idx="1">
+      <cs:styleClr val="auto"/>
+    </cs:fillRef>
+    <cs:effectRef idx="0"/>
+    <cs:fontRef idx="minor">
+      <a:schemeClr val="tx1"/>
+    </cs:fontRef>
+  </cs:dataPoint>
+  <cs:dataPoint3D>
+    <cs:lnRef idx="0"/>
+    <cs:fillRef idx="1">
+      <cs:styleClr val="auto"/>
+    </cs:fillRef>
+    <cs:effectRef idx="0"/>
+    <cs:fontRef idx="minor">
+      <a:schemeClr val="tx1"/>
+    </cs:fontRef>
+  </cs:dataPoint3D>
+  <cs:dataPointLine>
+    <cs:lnRef idx="0">
+      <cs:styleClr val="auto"/>
+    </cs:lnRef>
+    <cs:fillRef idx="1"/>
+    <cs:effectRef idx="0"/>
+    <cs:fontRef idx="minor">
+      <a:schemeClr val="tx1"/>
+    </cs:fontRef>
+    <cs:spPr>
+      <a:ln w="28575" cap="rnd">
+        <a:solidFill>
+          <a:schemeClr val="phClr"/>
+        </a:solidFill>
+        <a:round/>
+      </a:ln>
+    </cs:spPr>
+  </cs:dataPointLine>
+  <cs:dataPointMarker>
+    <cs:lnRef idx="0">
+      <cs:styleClr val="auto"/>
+    </cs:lnRef>
+    <cs:fillRef idx="1">
+      <cs:styleClr val="auto"/>
+    </cs:fillRef>
+    <cs:effectRef idx="0"/>
+    <cs:fontRef idx="minor">
+      <a:schemeClr val="tx1"/>
+    </cs:fontRef>
+    <cs:spPr>
+      <a:ln w="9525">
+        <a:solidFill>
+          <a:schemeClr val="phClr"/>
+        </a:solidFill>
+      </a:ln>
+    </cs:spPr>
+  </cs:dataPointMarker>
+  <cs:dataPointMarkerLayout symbol="circle" size="5"/>
+  <cs:dataPointWireframe>
+    <cs:lnRef idx="0">
+      <cs:styleClr val="auto"/>
+    </cs:lnRef>
+    <cs:fillRef idx="1"/>
+    <cs:effectRef idx="0"/>
+    <cs:fontRef idx="minor">
+      <a:schemeClr val="tx1"/>
+    </cs:fontRef>
+    <cs:spPr>
+      <a:ln w="9525" cap="rnd">
+        <a:solidFill>
+          <a:schemeClr val="phClr"/>
+        </a:solidFill>
+        <a:round/>
+      </a:ln>
+    </cs:spPr>
+  </cs:dataPointWireframe>
+  <cs:dataTable>
+    <cs:lnRef idx="0"/>
+    <cs:fillRef idx="0"/>
+    <cs:effectRef idx="0"/>
+    <cs:fontRef idx="minor">
+      <a:schemeClr val="tx1">
+        <a:lumMod val="65000"/>
+        <a:lumOff val="35000"/>
+      </a:schemeClr>
+    </cs:fontRef>
+    <cs:spPr>
+      <a:noFill/>
+      <a:ln w="9525" cap="flat" cmpd="sng" algn="ctr">
+        <a:solidFill>
+          <a:schemeClr val="tx1">
+            <a:lumMod val="15000"/>
+            <a:lumOff val="85000"/>
+          </a:schemeClr>
+        </a:solidFill>
+        <a:round/>
+      </a:ln>
+    </cs:spPr>
+    <cs:defRPr sz="1197" kern="1200"/>
+  </cs:dataTable>
+  <cs:downBar>
+    <cs:lnRef idx="0"/>
+    <cs:fillRef idx="0"/>
+    <cs:effectRef idx="0"/>
+    <cs:fontRef idx="minor">
+      <a:schemeClr val="tx1"/>
+    </cs:fontRef>
+    <cs:spPr>
+      <a:solidFill>
+        <a:schemeClr val="dk1">
+          <a:lumMod val="75000"/>
+          <a:lumOff val="25000"/>
+        </a:schemeClr>
+      </a:solidFill>
+      <a:ln w="9525" cap="flat" cmpd="sng" algn="ctr">
+        <a:solidFill>
+          <a:schemeClr val="tx1">
+            <a:lumMod val="65000"/>
+            <a:lumOff val="35000"/>
+          </a:schemeClr>
+        </a:solidFill>
+        <a:round/>
+      </a:ln>
+    </cs:spPr>
+  </cs:downBar>
+  <cs:dropLine>
+    <cs:lnRef idx="0"/>
+    <cs:fillRef idx="0"/>
+    <cs:effectRef idx="0"/>
+    <cs:fontRef idx="minor">
+      <a:schemeClr val="tx1"/>
+    </cs:fontRef>
+    <cs:spPr>
+      <a:ln w="9525" cap="flat" cmpd="sng" algn="ctr">
+        <a:solidFill>
+          <a:schemeClr val="tx1">
+            <a:lumMod val="35000"/>
+            <a:lumOff val="65000"/>
+          </a:schemeClr>
+        </a:solidFill>
+        <a:round/>
+      </a:ln>
+    </cs:spPr>
+  </cs:dropLine>
+  <cs:errorBar>
+    <cs:lnRef idx="0"/>
+    <cs:fillRef idx="0"/>
+    <cs:effectRef idx="0"/>
+    <cs:fontRef idx="minor">
+      <a:schemeClr val="tx1"/>
+    </cs:fontRef>
+    <cs:spPr>
+      <a:ln w="9525" cap="flat" cmpd="sng" algn="ctr">
+        <a:solidFill>
+          <a:schemeClr val="tx1">
+            <a:lumMod val="65000"/>
+            <a:lumOff val="35000"/>
+          </a:schemeClr>
+        </a:solidFill>
+        <a:round/>
+      </a:ln>
+    </cs:spPr>
+  </cs:errorBar>
+  <cs:floor>
+    <cs:lnRef idx="0"/>
+    <cs:fillRef idx="0"/>
+    <cs:effectRef idx="0"/>
+    <cs:fontRef idx="minor">
+      <a:schemeClr val="tx1"/>
+    </cs:fontRef>
+    <cs:spPr>
+      <a:noFill/>
+      <a:ln>
+        <a:noFill/>
+      </a:ln>
+    </cs:spPr>
+  </cs:floor>
+  <cs:gridlineMajor>
+    <cs:lnRef idx="0"/>
+    <cs:fillRef idx="0"/>
+    <cs:effectRef idx="0"/>
+    <cs:fontRef idx="minor">
+      <a:schemeClr val="tx1"/>
+    </cs:fontRef>
+    <cs:spPr>
+      <a:ln w="9525" cap="flat" cmpd="sng" algn="ctr">
+        <a:solidFill>
+          <a:schemeClr val="tx1">
+            <a:lumMod val="15000"/>
+            <a:lumOff val="85000"/>
+          </a:schemeClr>
+        </a:solidFill>
+        <a:round/>
+      </a:ln>
+    </cs:spPr>
+  </cs:gridlineMajor>
+  <cs:gridlineMinor>
+    <cs:lnRef idx="0"/>
+    <cs:fillRef idx="0"/>
+    <cs:effectRef idx="0"/>
+    <cs:fontRef idx="minor">
+      <a:schemeClr val="tx1"/>
+    </cs:fontRef>
+    <cs:spPr>
+      <a:ln w="9525" cap="flat" cmpd="sng" algn="ctr">
+        <a:solidFill>
+          <a:schemeClr val="tx1">
+            <a:lumMod val="5000"/>
+            <a:lumOff val="95000"/>
+          </a:schemeClr>
+        </a:solidFill>
+        <a:round/>
+      </a:ln>
+    </cs:spPr>
+  </cs:gridlineMinor>
+  <cs:hiLoLine>
+    <cs:lnRef idx="0"/>
+    <cs:fillRef idx="0"/>
+    <cs:effectRef idx="0"/>
+    <cs:fontRef idx="minor">
+      <a:schemeClr val="tx1"/>
+    </cs:fontRef>
+    <cs:spPr>
+      <a:ln w="9525" cap="flat" cmpd="sng" algn="ctr">
+        <a:solidFill>
+          <a:schemeClr val="tx1">
+            <a:lumMod val="50000"/>
+            <a:lumOff val="50000"/>
+          </a:schemeClr>
+        </a:solidFill>
+        <a:round/>
+      </a:ln>
+    </cs:spPr>
+  </cs:hiLoLine>
+  <cs:leaderLine>
+    <cs:lnRef idx="0"/>
+    <cs:fillRef idx="0"/>
+    <cs:effectRef idx="0"/>
+    <cs:fontRef idx="minor">
+      <a:schemeClr val="tx1"/>
+    </cs:fontRef>
+    <cs:spPr>
+      <a:ln w="9525" cap="flat" cmpd="sng" algn="ctr">
+        <a:solidFill>
+          <a:schemeClr val="tx1">
+            <a:lumMod val="35000"/>
+            <a:lumOff val="65000"/>
+          </a:schemeClr>
+        </a:solidFill>
+        <a:round/>
+      </a:ln>
+    </cs:spPr>
+  </cs:leaderLine>
+  <cs:legend>
+    <cs:lnRef idx="0"/>
+    <cs:fillRef idx="0"/>
+    <cs:effectRef idx="0"/>
+    <cs:fontRef idx="minor">
+      <a:schemeClr val="tx1">
+        <a:lumMod val="65000"/>
+        <a:lumOff val="35000"/>
+      </a:schemeClr>
+    </cs:fontRef>
+    <cs:defRPr sz="1197" kern="1200"/>
+  </cs:legend>
+  <cs:plotArea mods="allowNoFillOverride allowNoLineOverride">
+    <cs:lnRef idx="0"/>
+    <cs:fillRef idx="0"/>
+    <cs:effectRef idx="0"/>
+    <cs:fontRef idx="minor">
+      <a:schemeClr val="tx1"/>
+    </cs:fontRef>
+  </cs:plotArea>
+  <cs:plotArea3D mods="allowNoFillOverride allowNoLineOverride">
+    <cs:lnRef idx="0"/>
+    <cs:fillRef idx="0"/>
+    <cs:effectRef idx="0"/>
+    <cs:fontRef idx="minor">
+      <a:schemeClr val="tx1"/>
+    </cs:fontRef>
+  </cs:plotArea3D>
+  <cs:seriesAxis>
+    <cs:lnRef idx="0"/>
+    <cs:fillRef idx="0"/>
+    <cs:effectRef idx="0"/>
+    <cs:fontRef idx="minor">
+      <a:schemeClr val="tx1">
+        <a:lumMod val="65000"/>
+        <a:lumOff val="35000"/>
+      </a:schemeClr>
+    </cs:fontRef>
+    <cs:defRPr sz="1197" kern="1200"/>
+  </cs:seriesAxis>
+  <cs:seriesLine>
+    <cs:lnRef idx="0"/>
+    <cs:fillRef idx="0"/>
+    <cs:effectRef idx="0"/>
+    <cs:fontRef idx="minor">
+      <a:schemeClr val="tx1"/>
+    </cs:fontRef>
+    <cs:spPr>
+      <a:ln w="9525" cap="flat" cmpd="sng" algn="ctr">
+        <a:solidFill>
+          <a:schemeClr val="tx1">
+            <a:lumMod val="35000"/>
+            <a:lumOff val="65000"/>
+          </a:schemeClr>
+        </a:solidFill>
+        <a:round/>
+      </a:ln>
+    </cs:spPr>
+  </cs:seriesLine>
+  <cs:title>
+    <cs:lnRef idx="0"/>
+    <cs:fillRef idx="0"/>
+    <cs:effectRef idx="0"/>
+    <cs:fontRef idx="minor">
+      <a:schemeClr val="tx1">
+        <a:lumMod val="65000"/>
+        <a:lumOff val="35000"/>
+      </a:schemeClr>
+    </cs:fontRef>
+    <cs:defRPr sz="1862" b="0" kern="1200" spc="0" baseline="0"/>
+  </cs:title>
+  <cs:trendline>
+    <cs:lnRef idx="0">
+      <cs:styleClr val="auto"/>
+    </cs:lnRef>
+    <cs:fillRef idx="0"/>
+    <cs:effectRef idx="0"/>
+    <cs:fontRef idx="minor">
+      <a:schemeClr val="tx1"/>
+    </cs:fontRef>
+    <cs:spPr>
+      <a:ln w="19050" cap="rnd">
+        <a:solidFill>
+          <a:schemeClr val="phClr"/>
+        </a:solidFill>
+        <a:prstDash val="sysDot"/>
+      </a:ln>
+    </cs:spPr>
+  </cs:trendline>
+  <cs:trendlineLabel>
+    <cs:lnRef idx="0"/>
+    <cs:fillRef idx="0"/>
+    <cs:effectRef idx="0"/>
+    <cs:fontRef idx="minor">
+      <a:schemeClr val="tx1">
+        <a:lumMod val="65000"/>
+        <a:lumOff val="35000"/>
+      </a:schemeClr>
+    </cs:fontRef>
+    <cs:defRPr sz="1197" kern="1200"/>
+  </cs:trendlineLabel>
+  <cs:upBar>
+    <cs:lnRef idx="0"/>
+    <cs:fillRef idx="0"/>
+    <cs:effectRef idx="0"/>
+    <cs:fontRef idx="minor">
+      <a:schemeClr val="tx1"/>
+    </cs:fontRef>
+    <cs:spPr>
+      <a:solidFill>
+        <a:schemeClr val="lt1"/>
+      </a:solidFill>
+      <a:ln w="9525" cap="flat" cmpd="sng" algn="ctr">
+        <a:solidFill>
+          <a:schemeClr val="tx1">
+            <a:lumMod val="65000"/>
+            <a:lumOff val="35000"/>
+          </a:schemeClr>
+        </a:solidFill>
+        <a:round/>
+      </a:ln>
+    </cs:spPr>
+  </cs:upBar>
+  <cs:valueAxis>
+    <cs:lnRef idx="0"/>
+    <cs:fillRef idx="0"/>
+    <cs:effectRef idx="0"/>
+    <cs:fontRef idx="minor">
+      <a:schemeClr val="tx1">
+        <a:lumMod val="65000"/>
+        <a:lumOff val="35000"/>
+      </a:schemeClr>
+    </cs:fontRef>
+    <cs:defRPr sz="1197" kern="1200"/>
+  </cs:valueAxis>
+  <cs:wall>
+    <cs:lnRef idx="0"/>
+    <cs:fillRef idx="0"/>
+    <cs:effectRef idx="0"/>
+    <cs:fontRef idx="minor">
+      <a:schemeClr val="tx1"/>
+    </cs:fontRef>
+    <cs:spPr>
+      <a:noFill/>
+      <a:ln>
+        <a:noFill/>
+      </a:ln>
+    </cs:spPr>
+  </cs:wall>
+</cs:chartStyle>
+</file>
+
 <file path=ppt/notesMasters/notesMaster1.xml><?xml version="1.0" encoding="utf-8"?>
 <p:notesMaster xmlns:a="http://schemas.openxmlformats.org/drawingml/2006/main" xmlns:r="http://schemas.openxmlformats.org/officeDocument/2006/relationships" xmlns:p="http://schemas.openxmlformats.org/presentationml/2006/main">
   <p:cSld>
@@ -207,7 +2155,7 @@
           <a:p>
             <a:fld id="{BC5D3495-D642-4B9C-A4D9-ABBA71EA56ED}" type="datetimeFigureOut">
               <a:rPr lang="de-DE" smtClean="0"/>
-              <a:t>29.07.2016</a:t>
+              <a:t>02.08.2016</a:t>
             </a:fld>
             <a:endParaRPr lang="de-DE"/>
           </a:p>
@@ -603,7 +2551,7 @@
           <a:p>
             <a:fld id="{939A55D9-6AB2-4364-AE5A-4B2CFFB043C1}" type="datetimeFigureOut">
               <a:rPr lang="de-DE" smtClean="0"/>
-              <a:t>29.07.2016</a:t>
+              <a:t>02.08.2016</a:t>
             </a:fld>
             <a:endParaRPr lang="de-DE"/>
           </a:p>
@@ -771,7 +2719,7 @@
           <a:p>
             <a:fld id="{939A55D9-6AB2-4364-AE5A-4B2CFFB043C1}" type="datetimeFigureOut">
               <a:rPr lang="de-DE" smtClean="0"/>
-              <a:t>29.07.2016</a:t>
+              <a:t>02.08.2016</a:t>
             </a:fld>
             <a:endParaRPr lang="de-DE"/>
           </a:p>
@@ -949,7 +2897,7 @@
           <a:p>
             <a:fld id="{939A55D9-6AB2-4364-AE5A-4B2CFFB043C1}" type="datetimeFigureOut">
               <a:rPr lang="de-DE" smtClean="0"/>
-              <a:t>29.07.2016</a:t>
+              <a:t>02.08.2016</a:t>
             </a:fld>
             <a:endParaRPr lang="de-DE"/>
           </a:p>
@@ -1117,7 +3065,7 @@
           <a:p>
             <a:fld id="{939A55D9-6AB2-4364-AE5A-4B2CFFB043C1}" type="datetimeFigureOut">
               <a:rPr lang="de-DE" smtClean="0"/>
-              <a:t>29.07.2016</a:t>
+              <a:t>02.08.2016</a:t>
             </a:fld>
             <a:endParaRPr lang="de-DE"/>
           </a:p>
@@ -1362,7 +3310,7 @@
           <a:p>
             <a:fld id="{939A55D9-6AB2-4364-AE5A-4B2CFFB043C1}" type="datetimeFigureOut">
               <a:rPr lang="de-DE" smtClean="0"/>
-              <a:t>29.07.2016</a:t>
+              <a:t>02.08.2016</a:t>
             </a:fld>
             <a:endParaRPr lang="de-DE"/>
           </a:p>
@@ -1591,7 +3539,7 @@
           <a:p>
             <a:fld id="{939A55D9-6AB2-4364-AE5A-4B2CFFB043C1}" type="datetimeFigureOut">
               <a:rPr lang="de-DE" smtClean="0"/>
-              <a:t>29.07.2016</a:t>
+              <a:t>02.08.2016</a:t>
             </a:fld>
             <a:endParaRPr lang="de-DE"/>
           </a:p>
@@ -1955,7 +3903,7 @@
           <a:p>
             <a:fld id="{939A55D9-6AB2-4364-AE5A-4B2CFFB043C1}" type="datetimeFigureOut">
               <a:rPr lang="de-DE" smtClean="0"/>
-              <a:t>29.07.2016</a:t>
+              <a:t>02.08.2016</a:t>
             </a:fld>
             <a:endParaRPr lang="de-DE"/>
           </a:p>
@@ -2072,7 +4020,7 @@
           <a:p>
             <a:fld id="{939A55D9-6AB2-4364-AE5A-4B2CFFB043C1}" type="datetimeFigureOut">
               <a:rPr lang="de-DE" smtClean="0"/>
-              <a:t>29.07.2016</a:t>
+              <a:t>02.08.2016</a:t>
             </a:fld>
             <a:endParaRPr lang="de-DE"/>
           </a:p>
@@ -2167,7 +4115,7 @@
           <a:p>
             <a:fld id="{939A55D9-6AB2-4364-AE5A-4B2CFFB043C1}" type="datetimeFigureOut">
               <a:rPr lang="de-DE" smtClean="0"/>
-              <a:t>29.07.2016</a:t>
+              <a:t>02.08.2016</a:t>
             </a:fld>
             <a:endParaRPr lang="de-DE"/>
           </a:p>
@@ -2442,7 +4390,7 @@
           <a:p>
             <a:fld id="{939A55D9-6AB2-4364-AE5A-4B2CFFB043C1}" type="datetimeFigureOut">
               <a:rPr lang="de-DE" smtClean="0"/>
-              <a:t>29.07.2016</a:t>
+              <a:t>02.08.2016</a:t>
             </a:fld>
             <a:endParaRPr lang="de-DE"/>
           </a:p>
@@ -2694,7 +4642,7 @@
           <a:p>
             <a:fld id="{939A55D9-6AB2-4364-AE5A-4B2CFFB043C1}" type="datetimeFigureOut">
               <a:rPr lang="de-DE" smtClean="0"/>
-              <a:t>29.07.2016</a:t>
+              <a:t>02.08.2016</a:t>
             </a:fld>
             <a:endParaRPr lang="de-DE"/>
           </a:p>
@@ -2905,7 +4853,7 @@
           <a:p>
             <a:fld id="{939A55D9-6AB2-4364-AE5A-4B2CFFB043C1}" type="datetimeFigureOut">
               <a:rPr lang="de-DE" smtClean="0"/>
-              <a:t>29.07.2016</a:t>
+              <a:t>02.08.2016</a:t>
             </a:fld>
             <a:endParaRPr lang="de-DE"/>
           </a:p>
@@ -3951,6 +5899,1670 @@
 </p:sld>
 </file>
 
+<file path=ppt/slides/slide12.xml><?xml version="1.0" encoding="utf-8"?>
+<p:sld xmlns:a="http://schemas.openxmlformats.org/drawingml/2006/main" xmlns:r="http://schemas.openxmlformats.org/officeDocument/2006/relationships" xmlns:p="http://schemas.openxmlformats.org/presentationml/2006/main">
+  <p:cSld>
+    <p:spTree>
+      <p:nvGrpSpPr>
+        <p:cNvPr id="1" name=""/>
+        <p:cNvGrpSpPr/>
+        <p:nvPr/>
+      </p:nvGrpSpPr>
+      <p:grpSpPr>
+        <a:xfrm>
+          <a:off x="0" y="0"/>
+          <a:ext cx="0" cy="0"/>
+          <a:chOff x="0" y="0"/>
+          <a:chExt cx="0" cy="0"/>
+        </a:xfrm>
+      </p:grpSpPr>
+      <p:sp>
+        <p:nvSpPr>
+          <p:cNvPr id="2" name="Titel 1"/>
+          <p:cNvSpPr>
+            <a:spLocks noGrp="1"/>
+          </p:cNvSpPr>
+          <p:nvPr>
+            <p:ph type="title"/>
+          </p:nvPr>
+        </p:nvSpPr>
+        <p:spPr/>
+        <p:txBody>
+          <a:bodyPr/>
+          <a:lstStyle/>
+          <a:p>
+            <a:r>
+              <a:rPr lang="de-DE" dirty="0"/>
+              <a:t>Kennzahlen</a:t>
+            </a:r>
+          </a:p>
+        </p:txBody>
+      </p:sp>
+      <p:sp>
+        <p:nvSpPr>
+          <p:cNvPr id="3" name="Inhaltsplatzhalter 2"/>
+          <p:cNvSpPr>
+            <a:spLocks noGrp="1"/>
+          </p:cNvSpPr>
+          <p:nvPr>
+            <p:ph idx="1"/>
+          </p:nvPr>
+        </p:nvSpPr>
+        <p:spPr/>
+        <p:txBody>
+          <a:bodyPr/>
+          <a:lstStyle/>
+          <a:p>
+            <a:r>
+              <a:rPr lang="de-DE" dirty="0"/>
+              <a:t>Kennzahlen geben Aufschluss über die Priorisierung von Projekten</a:t>
+            </a:r>
+          </a:p>
+          <a:p>
+            <a:r>
+              <a:rPr lang="de-DE" dirty="0"/>
+              <a:t>Kennzahlen dienen der Klassifizierung von Projekten</a:t>
+            </a:r>
+          </a:p>
+          <a:p>
+            <a:endParaRPr lang="de-DE" dirty="0"/>
+          </a:p>
+        </p:txBody>
+      </p:sp>
+    </p:spTree>
+    <p:extLst>
+      <p:ext uri="{BB962C8B-B14F-4D97-AF65-F5344CB8AC3E}">
+        <p14:creationId xmlns:p14="http://schemas.microsoft.com/office/powerpoint/2010/main" val="1620571412"/>
+      </p:ext>
+    </p:extLst>
+  </p:cSld>
+  <p:clrMapOvr>
+    <a:masterClrMapping/>
+  </p:clrMapOvr>
+</p:sld>
+</file>
+
+<file path=ppt/slides/slide13.xml><?xml version="1.0" encoding="utf-8"?>
+<p:sld xmlns:a="http://schemas.openxmlformats.org/drawingml/2006/main" xmlns:r="http://schemas.openxmlformats.org/officeDocument/2006/relationships" xmlns:p="http://schemas.openxmlformats.org/presentationml/2006/main">
+  <p:cSld>
+    <p:spTree>
+      <p:nvGrpSpPr>
+        <p:cNvPr id="1" name=""/>
+        <p:cNvGrpSpPr/>
+        <p:nvPr/>
+      </p:nvGrpSpPr>
+      <p:grpSpPr>
+        <a:xfrm>
+          <a:off x="0" y="0"/>
+          <a:ext cx="0" cy="0"/>
+          <a:chOff x="0" y="0"/>
+          <a:chExt cx="0" cy="0"/>
+        </a:xfrm>
+      </p:grpSpPr>
+      <p:sp>
+        <p:nvSpPr>
+          <p:cNvPr id="2057" name="Rectangle 2056"/>
+          <p:cNvSpPr>
+            <a:spLocks noGrp="1" noRot="1" noChangeAspect="1" noMove="1" noResize="1" noEditPoints="1" noAdjustHandles="1" noChangeArrowheads="1" noChangeShapeType="1" noTextEdit="1"/>
+          </p:cNvSpPr>
+          <p:nvPr>
+            <p:extLst>
+              <p:ext uri="{386F3935-93C4-4BCD-93E2-E3B085C9AB24}">
+                <p16:designElem xmlns:p16="http://schemas.microsoft.com/office/powerpoint/2015/main" val="1"/>
+              </p:ext>
+            </p:extLst>
+          </p:nvPr>
+        </p:nvSpPr>
+        <p:spPr bwMode="white">
+          <a:xfrm>
+            <a:off x="0" y="0"/>
+            <a:ext cx="12192000" cy="6858000"/>
+          </a:xfrm>
+          <a:prstGeom prst="rect">
+            <a:avLst/>
+          </a:prstGeom>
+          <a:solidFill>
+            <a:schemeClr val="bg1"/>
+          </a:solidFill>
+          <a:ln>
+            <a:noFill/>
+          </a:ln>
+          <a:effectLst/>
+        </p:spPr>
+      </p:sp>
+      <p:pic>
+        <p:nvPicPr>
+          <p:cNvPr id="6" name="Picture 4" descr="http://geld.bilderu.de/bilder/geld/viel-euro-x4a.jpg"/>
+          <p:cNvPicPr>
+            <a:picLocks noChangeAspect="1" noChangeArrowheads="1"/>
+          </p:cNvPicPr>
+          <p:nvPr/>
+        </p:nvPicPr>
+        <p:blipFill rotWithShape="1">
+          <a:blip r:embed="rId2">
+            <a:extLst>
+              <a:ext uri="{28A0092B-C50C-407E-A947-70E740481C1C}">
+                <a14:useLocalDpi xmlns:a14="http://schemas.microsoft.com/office/drawing/2010/main" val="0"/>
+              </a:ext>
+            </a:extLst>
+          </a:blip>
+          <a:srcRect t="16665" b="8085"/>
+          <a:stretch/>
+        </p:blipFill>
+        <p:spPr bwMode="auto">
+          <a:xfrm>
+            <a:off x="20" y="10"/>
+            <a:ext cx="12191980" cy="6857989"/>
+          </a:xfrm>
+          <a:prstGeom prst="rect">
+            <a:avLst/>
+          </a:prstGeom>
+          <a:noFill/>
+          <a:extLst>
+            <a:ext uri="{909E8E84-426E-40DD-AFC4-6F175D3DCCD1}">
+              <a14:hiddenFill xmlns:a14="http://schemas.microsoft.com/office/drawing/2010/main">
+                <a:solidFill>
+                  <a:srgbClr val="FFFFFF"/>
+                </a:solidFill>
+              </a14:hiddenFill>
+            </a:ext>
+          </a:extLst>
+        </p:spPr>
+      </p:pic>
+      <p:sp>
+        <p:nvSpPr>
+          <p:cNvPr id="192" name="Down Arrow 7"/>
+          <p:cNvSpPr>
+            <a:spLocks noGrp="1" noRot="1" noChangeAspect="1" noMove="1" noResize="1" noEditPoints="1" noAdjustHandles="1" noChangeArrowheads="1" noChangeShapeType="1" noTextEdit="1"/>
+          </p:cNvSpPr>
+          <p:nvPr>
+            <p:extLst>
+              <p:ext uri="{386F3935-93C4-4BCD-93E2-E3B085C9AB24}">
+                <p16:designElem xmlns:p16="http://schemas.microsoft.com/office/powerpoint/2015/main" val="1"/>
+              </p:ext>
+            </p:extLst>
+          </p:nvPr>
+        </p:nvSpPr>
+        <p:spPr>
+          <a:xfrm>
+            <a:off x="800100" y="-4763"/>
+            <a:ext cx="3333749" cy="3338514"/>
+          </a:xfrm>
+          <a:prstGeom prst="downArrow">
+            <a:avLst>
+              <a:gd name="adj1" fmla="val 100000"/>
+              <a:gd name="adj2" fmla="val 26890"/>
+            </a:avLst>
+          </a:prstGeom>
+          <a:solidFill>
+            <a:schemeClr val="tx1">
+              <a:lumMod val="85000"/>
+              <a:lumOff val="15000"/>
+            </a:schemeClr>
+          </a:solidFill>
+          <a:ln w="53975">
+            <a:noFill/>
+          </a:ln>
+        </p:spPr>
+        <p:style>
+          <a:lnRef idx="2">
+            <a:schemeClr val="accent1">
+              <a:shade val="50000"/>
+            </a:schemeClr>
+          </a:lnRef>
+          <a:fillRef idx="1">
+            <a:schemeClr val="accent1"/>
+          </a:fillRef>
+          <a:effectRef idx="0">
+            <a:schemeClr val="accent1"/>
+          </a:effectRef>
+          <a:fontRef idx="minor">
+            <a:schemeClr val="lt1"/>
+          </a:fontRef>
+        </p:style>
+        <p:txBody>
+          <a:bodyPr rtlCol="0" anchor="ctr"/>
+          <a:lstStyle/>
+          <a:p>
+            <a:pPr algn="ctr"/>
+            <a:endParaRPr lang="en-US"/>
+          </a:p>
+        </p:txBody>
+      </p:sp>
+      <p:sp>
+        <p:nvSpPr>
+          <p:cNvPr id="2" name="Titel 1"/>
+          <p:cNvSpPr>
+            <a:spLocks noGrp="1"/>
+          </p:cNvSpPr>
+          <p:nvPr>
+            <p:ph type="title"/>
+          </p:nvPr>
+        </p:nvSpPr>
+        <p:spPr>
+          <a:xfrm>
+            <a:off x="1028700" y="190501"/>
+            <a:ext cx="2886075" cy="2486024"/>
+          </a:xfrm>
+          <a:noFill/>
+        </p:spPr>
+        <p:txBody>
+          <a:bodyPr vert="horz" lIns="91440" tIns="45720" rIns="91440" bIns="45720" rtlCol="0" anchor="ctr">
+            <a:normAutofit/>
+          </a:bodyPr>
+          <a:lstStyle/>
+          <a:p>
+            <a:pPr algn="ctr"/>
+            <a:r>
+              <a:rPr lang="en-US" sz="3600" dirty="0">
+                <a:solidFill>
+                  <a:schemeClr val="bg1"/>
+                </a:solidFill>
+              </a:rPr>
+              <a:t>Geld</a:t>
+            </a:r>
+          </a:p>
+        </p:txBody>
+      </p:sp>
+    </p:spTree>
+    <p:extLst>
+      <p:ext uri="{BB962C8B-B14F-4D97-AF65-F5344CB8AC3E}">
+        <p14:creationId xmlns:p14="http://schemas.microsoft.com/office/powerpoint/2010/main" val="1118232662"/>
+      </p:ext>
+    </p:extLst>
+  </p:cSld>
+  <p:clrMapOvr>
+    <a:masterClrMapping/>
+  </p:clrMapOvr>
+</p:sld>
+</file>
+
+<file path=ppt/slides/slide14.xml><?xml version="1.0" encoding="utf-8"?>
+<p:sld xmlns:a="http://schemas.openxmlformats.org/drawingml/2006/main" xmlns:r="http://schemas.openxmlformats.org/officeDocument/2006/relationships" xmlns:p="http://schemas.openxmlformats.org/presentationml/2006/main">
+  <p:cSld>
+    <p:spTree>
+      <p:nvGrpSpPr>
+        <p:cNvPr id="1" name=""/>
+        <p:cNvGrpSpPr/>
+        <p:nvPr/>
+      </p:nvGrpSpPr>
+      <p:grpSpPr>
+        <a:xfrm>
+          <a:off x="0" y="0"/>
+          <a:ext cx="0" cy="0"/>
+          <a:chOff x="0" y="0"/>
+          <a:chExt cx="0" cy="0"/>
+        </a:xfrm>
+      </p:grpSpPr>
+      <p:sp>
+        <p:nvSpPr>
+          <p:cNvPr id="2" name="Titel 1"/>
+          <p:cNvSpPr>
+            <a:spLocks noGrp="1"/>
+          </p:cNvSpPr>
+          <p:nvPr>
+            <p:ph type="title"/>
+          </p:nvPr>
+        </p:nvSpPr>
+        <p:spPr/>
+        <p:txBody>
+          <a:bodyPr/>
+          <a:lstStyle/>
+          <a:p>
+            <a:r>
+              <a:rPr lang="de-DE" dirty="0"/>
+              <a:t>Monetäre Kennzahlen</a:t>
+            </a:r>
+          </a:p>
+        </p:txBody>
+      </p:sp>
+      <p:sp>
+        <p:nvSpPr>
+          <p:cNvPr id="3" name="Inhaltsplatzhalter 2"/>
+          <p:cNvSpPr>
+            <a:spLocks noGrp="1"/>
+          </p:cNvSpPr>
+          <p:nvPr>
+            <p:ph idx="1"/>
+          </p:nvPr>
+        </p:nvSpPr>
+        <p:spPr>
+          <a:xfrm>
+            <a:off x="838200" y="1825625"/>
+            <a:ext cx="4991100" cy="4351338"/>
+          </a:xfrm>
+        </p:spPr>
+        <p:txBody>
+          <a:bodyPr>
+            <a:normAutofit fontScale="70000" lnSpcReduction="20000"/>
+          </a:bodyPr>
+          <a:lstStyle/>
+          <a:p>
+            <a:r>
+              <a:rPr lang="de-DE" dirty="0"/>
+              <a:t>Manueller Eintrag von kalkulierten Kosten</a:t>
+            </a:r>
+          </a:p>
+          <a:p>
+            <a:r>
+              <a:rPr lang="de-DE" dirty="0"/>
+              <a:t>Manueller Eintrag von kalkuliertem Nutzen</a:t>
+            </a:r>
+          </a:p>
+          <a:p>
+            <a:endParaRPr lang="de-DE" dirty="0"/>
+          </a:p>
+          <a:p>
+            <a:r>
+              <a:rPr lang="de-DE" dirty="0"/>
+              <a:t>Manueller Eintrag von tatsächlichen Kosten</a:t>
+            </a:r>
+          </a:p>
+          <a:p>
+            <a:r>
+              <a:rPr lang="de-DE" dirty="0"/>
+              <a:t>Manueller Eintrag von tatsächlichem Nutzen</a:t>
+            </a:r>
+          </a:p>
+          <a:p>
+            <a:endParaRPr lang="de-DE" dirty="0"/>
+          </a:p>
+          <a:p>
+            <a:r>
+              <a:rPr lang="de-DE" dirty="0">
+                <a:sym typeface="Wingdings" panose="05000000000000000000" pitchFamily="2" charset="2"/>
+              </a:rPr>
+              <a:t> Ableitung von Vergleichen (Zahlen, Prozentwerte) und Visualisierung</a:t>
+            </a:r>
+          </a:p>
+          <a:p>
+            <a:r>
+              <a:rPr lang="de-DE" dirty="0">
+                <a:sym typeface="Wingdings" panose="05000000000000000000" pitchFamily="2" charset="2"/>
+              </a:rPr>
+              <a:t> Return On </a:t>
+            </a:r>
+            <a:r>
+              <a:rPr lang="de-DE" dirty="0" err="1">
+                <a:sym typeface="Wingdings" panose="05000000000000000000" pitchFamily="2" charset="2"/>
+              </a:rPr>
+              <a:t>Invest</a:t>
+            </a:r>
+            <a:r>
+              <a:rPr lang="de-DE" dirty="0">
+                <a:sym typeface="Wingdings" panose="05000000000000000000" pitchFamily="2" charset="2"/>
+              </a:rPr>
+              <a:t> Berechnungen</a:t>
+            </a:r>
+          </a:p>
+          <a:p>
+            <a:r>
+              <a:rPr lang="de-DE" dirty="0">
+                <a:sym typeface="Wingdings" panose="05000000000000000000" pitchFamily="2" charset="2"/>
+              </a:rPr>
+              <a:t> Amortisationszeiten</a:t>
+            </a:r>
+            <a:endParaRPr lang="de-DE" dirty="0"/>
+          </a:p>
+        </p:txBody>
+      </p:sp>
+      <p:sp>
+        <p:nvSpPr>
+          <p:cNvPr id="4" name="Inhaltsplatzhalter 2"/>
+          <p:cNvSpPr txBox="1">
+            <a:spLocks/>
+          </p:cNvSpPr>
+          <p:nvPr/>
+        </p:nvSpPr>
+        <p:spPr>
+          <a:xfrm>
+            <a:off x="6362700" y="1825625"/>
+            <a:ext cx="4991100" cy="4351338"/>
+          </a:xfrm>
+          <a:prstGeom prst="rect">
+            <a:avLst/>
+          </a:prstGeom>
+        </p:spPr>
+        <p:txBody>
+          <a:bodyPr vert="horz" lIns="91440" tIns="45720" rIns="91440" bIns="45720" rtlCol="0">
+            <a:normAutofit/>
+          </a:bodyPr>
+          <a:lstStyle>
+            <a:lvl1pPr marL="228600" indent="-228600" algn="l" defTabSz="914400" rtl="0" eaLnBrk="1" latinLnBrk="0" hangingPunct="1">
+              <a:lnSpc>
+                <a:spcPct val="90000"/>
+              </a:lnSpc>
+              <a:spcBef>
+                <a:spcPts val="1000"/>
+              </a:spcBef>
+              <a:buFont typeface="Arial" panose="020B0604020202020204" pitchFamily="34" charset="0"/>
+              <a:buChar char="•"/>
+              <a:defRPr sz="2800" kern="1200">
+                <a:solidFill>
+                  <a:schemeClr val="tx1"/>
+                </a:solidFill>
+                <a:latin typeface="+mn-lt"/>
+                <a:ea typeface="+mn-ea"/>
+                <a:cs typeface="+mn-cs"/>
+              </a:defRPr>
+            </a:lvl1pPr>
+            <a:lvl2pPr marL="685800" indent="-228600" algn="l" defTabSz="914400" rtl="0" eaLnBrk="1" latinLnBrk="0" hangingPunct="1">
+              <a:lnSpc>
+                <a:spcPct val="90000"/>
+              </a:lnSpc>
+              <a:spcBef>
+                <a:spcPts val="500"/>
+              </a:spcBef>
+              <a:buFont typeface="Arial" panose="020B0604020202020204" pitchFamily="34" charset="0"/>
+              <a:buChar char="•"/>
+              <a:defRPr sz="2400" kern="1200">
+                <a:solidFill>
+                  <a:schemeClr val="tx1"/>
+                </a:solidFill>
+                <a:latin typeface="+mn-lt"/>
+                <a:ea typeface="+mn-ea"/>
+                <a:cs typeface="+mn-cs"/>
+              </a:defRPr>
+            </a:lvl2pPr>
+            <a:lvl3pPr marL="1143000" indent="-228600" algn="l" defTabSz="914400" rtl="0" eaLnBrk="1" latinLnBrk="0" hangingPunct="1">
+              <a:lnSpc>
+                <a:spcPct val="90000"/>
+              </a:lnSpc>
+              <a:spcBef>
+                <a:spcPts val="500"/>
+              </a:spcBef>
+              <a:buFont typeface="Arial" panose="020B0604020202020204" pitchFamily="34" charset="0"/>
+              <a:buChar char="•"/>
+              <a:defRPr sz="2000" kern="1200">
+                <a:solidFill>
+                  <a:schemeClr val="tx1"/>
+                </a:solidFill>
+                <a:latin typeface="+mn-lt"/>
+                <a:ea typeface="+mn-ea"/>
+                <a:cs typeface="+mn-cs"/>
+              </a:defRPr>
+            </a:lvl3pPr>
+            <a:lvl4pPr marL="1600200" indent="-228600" algn="l" defTabSz="914400" rtl="0" eaLnBrk="1" latinLnBrk="0" hangingPunct="1">
+              <a:lnSpc>
+                <a:spcPct val="90000"/>
+              </a:lnSpc>
+              <a:spcBef>
+                <a:spcPts val="500"/>
+              </a:spcBef>
+              <a:buFont typeface="Arial" panose="020B0604020202020204" pitchFamily="34" charset="0"/>
+              <a:buChar char="•"/>
+              <a:defRPr sz="1800" kern="1200">
+                <a:solidFill>
+                  <a:schemeClr val="tx1"/>
+                </a:solidFill>
+                <a:latin typeface="+mn-lt"/>
+                <a:ea typeface="+mn-ea"/>
+                <a:cs typeface="+mn-cs"/>
+              </a:defRPr>
+            </a:lvl4pPr>
+            <a:lvl5pPr marL="2057400" indent="-228600" algn="l" defTabSz="914400" rtl="0" eaLnBrk="1" latinLnBrk="0" hangingPunct="1">
+              <a:lnSpc>
+                <a:spcPct val="90000"/>
+              </a:lnSpc>
+              <a:spcBef>
+                <a:spcPts val="500"/>
+              </a:spcBef>
+              <a:buFont typeface="Arial" panose="020B0604020202020204" pitchFamily="34" charset="0"/>
+              <a:buChar char="•"/>
+              <a:defRPr sz="1800" kern="1200">
+                <a:solidFill>
+                  <a:schemeClr val="tx1"/>
+                </a:solidFill>
+                <a:latin typeface="+mn-lt"/>
+                <a:ea typeface="+mn-ea"/>
+                <a:cs typeface="+mn-cs"/>
+              </a:defRPr>
+            </a:lvl5pPr>
+            <a:lvl6pPr marL="2514600" indent="-228600" algn="l" defTabSz="914400" rtl="0" eaLnBrk="1" latinLnBrk="0" hangingPunct="1">
+              <a:lnSpc>
+                <a:spcPct val="90000"/>
+              </a:lnSpc>
+              <a:spcBef>
+                <a:spcPts val="500"/>
+              </a:spcBef>
+              <a:buFont typeface="Arial" panose="020B0604020202020204" pitchFamily="34" charset="0"/>
+              <a:buChar char="•"/>
+              <a:defRPr sz="1800" kern="1200">
+                <a:solidFill>
+                  <a:schemeClr val="tx1"/>
+                </a:solidFill>
+                <a:latin typeface="+mn-lt"/>
+                <a:ea typeface="+mn-ea"/>
+                <a:cs typeface="+mn-cs"/>
+              </a:defRPr>
+            </a:lvl6pPr>
+            <a:lvl7pPr marL="2971800" indent="-228600" algn="l" defTabSz="914400" rtl="0" eaLnBrk="1" latinLnBrk="0" hangingPunct="1">
+              <a:lnSpc>
+                <a:spcPct val="90000"/>
+              </a:lnSpc>
+              <a:spcBef>
+                <a:spcPts val="500"/>
+              </a:spcBef>
+              <a:buFont typeface="Arial" panose="020B0604020202020204" pitchFamily="34" charset="0"/>
+              <a:buChar char="•"/>
+              <a:defRPr sz="1800" kern="1200">
+                <a:solidFill>
+                  <a:schemeClr val="tx1"/>
+                </a:solidFill>
+                <a:latin typeface="+mn-lt"/>
+                <a:ea typeface="+mn-ea"/>
+                <a:cs typeface="+mn-cs"/>
+              </a:defRPr>
+            </a:lvl7pPr>
+            <a:lvl8pPr marL="3429000" indent="-228600" algn="l" defTabSz="914400" rtl="0" eaLnBrk="1" latinLnBrk="0" hangingPunct="1">
+              <a:lnSpc>
+                <a:spcPct val="90000"/>
+              </a:lnSpc>
+              <a:spcBef>
+                <a:spcPts val="500"/>
+              </a:spcBef>
+              <a:buFont typeface="Arial" panose="020B0604020202020204" pitchFamily="34" charset="0"/>
+              <a:buChar char="•"/>
+              <a:defRPr sz="1800" kern="1200">
+                <a:solidFill>
+                  <a:schemeClr val="tx1"/>
+                </a:solidFill>
+                <a:latin typeface="+mn-lt"/>
+                <a:ea typeface="+mn-ea"/>
+                <a:cs typeface="+mn-cs"/>
+              </a:defRPr>
+            </a:lvl8pPr>
+            <a:lvl9pPr marL="3886200" indent="-228600" algn="l" defTabSz="914400" rtl="0" eaLnBrk="1" latinLnBrk="0" hangingPunct="1">
+              <a:lnSpc>
+                <a:spcPct val="90000"/>
+              </a:lnSpc>
+              <a:spcBef>
+                <a:spcPts val="500"/>
+              </a:spcBef>
+              <a:buFont typeface="Arial" panose="020B0604020202020204" pitchFamily="34" charset="0"/>
+              <a:buChar char="•"/>
+              <a:defRPr sz="1800" kern="1200">
+                <a:solidFill>
+                  <a:schemeClr val="tx1"/>
+                </a:solidFill>
+                <a:latin typeface="+mn-lt"/>
+                <a:ea typeface="+mn-ea"/>
+                <a:cs typeface="+mn-cs"/>
+              </a:defRPr>
+            </a:lvl9pPr>
+          </a:lstStyle>
+          <a:p>
+            <a:pPr marL="0" indent="0">
+              <a:buNone/>
+            </a:pPr>
+            <a:endParaRPr lang="de-DE" dirty="0"/>
+          </a:p>
+        </p:txBody>
+      </p:sp>
+      <p:sp>
+        <p:nvSpPr>
+          <p:cNvPr id="5" name="Textplatzhalter 3"/>
+          <p:cNvSpPr txBox="1">
+            <a:spLocks/>
+          </p:cNvSpPr>
+          <p:nvPr/>
+        </p:nvSpPr>
+        <p:spPr>
+          <a:xfrm>
+            <a:off x="6196013" y="1505109"/>
+            <a:ext cx="5157787" cy="823912"/>
+          </a:xfrm>
+          <a:prstGeom prst="rect">
+            <a:avLst/>
+          </a:prstGeom>
+        </p:spPr>
+        <p:txBody>
+          <a:bodyPr vert="horz" lIns="91440" tIns="45720" rIns="91440" bIns="45720" rtlCol="0" anchor="b">
+            <a:normAutofit/>
+          </a:bodyPr>
+          <a:lstStyle>
+            <a:lvl1pPr marL="0" indent="0" algn="l" defTabSz="914400" rtl="0" eaLnBrk="1" latinLnBrk="0" hangingPunct="1">
+              <a:lnSpc>
+                <a:spcPct val="90000"/>
+              </a:lnSpc>
+              <a:spcBef>
+                <a:spcPts val="1000"/>
+              </a:spcBef>
+              <a:buFont typeface="Arial" panose="020B0604020202020204" pitchFamily="34" charset="0"/>
+              <a:buNone/>
+              <a:defRPr sz="2400" b="1" kern="1200">
+                <a:solidFill>
+                  <a:schemeClr val="tx1"/>
+                </a:solidFill>
+                <a:latin typeface="+mn-lt"/>
+                <a:ea typeface="+mn-ea"/>
+                <a:cs typeface="+mn-cs"/>
+              </a:defRPr>
+            </a:lvl1pPr>
+            <a:lvl2pPr marL="457200" indent="0" algn="l" defTabSz="914400" rtl="0" eaLnBrk="1" latinLnBrk="0" hangingPunct="1">
+              <a:lnSpc>
+                <a:spcPct val="90000"/>
+              </a:lnSpc>
+              <a:spcBef>
+                <a:spcPts val="500"/>
+              </a:spcBef>
+              <a:buFont typeface="Arial" panose="020B0604020202020204" pitchFamily="34" charset="0"/>
+              <a:buNone/>
+              <a:defRPr sz="2000" b="1" kern="1200">
+                <a:solidFill>
+                  <a:schemeClr val="tx1"/>
+                </a:solidFill>
+                <a:latin typeface="+mn-lt"/>
+                <a:ea typeface="+mn-ea"/>
+                <a:cs typeface="+mn-cs"/>
+              </a:defRPr>
+            </a:lvl2pPr>
+            <a:lvl3pPr marL="914400" indent="0" algn="l" defTabSz="914400" rtl="0" eaLnBrk="1" latinLnBrk="0" hangingPunct="1">
+              <a:lnSpc>
+                <a:spcPct val="90000"/>
+              </a:lnSpc>
+              <a:spcBef>
+                <a:spcPts val="500"/>
+              </a:spcBef>
+              <a:buFont typeface="Arial" panose="020B0604020202020204" pitchFamily="34" charset="0"/>
+              <a:buNone/>
+              <a:defRPr sz="1800" b="1" kern="1200">
+                <a:solidFill>
+                  <a:schemeClr val="tx1"/>
+                </a:solidFill>
+                <a:latin typeface="+mn-lt"/>
+                <a:ea typeface="+mn-ea"/>
+                <a:cs typeface="+mn-cs"/>
+              </a:defRPr>
+            </a:lvl3pPr>
+            <a:lvl4pPr marL="1371600" indent="0" algn="l" defTabSz="914400" rtl="0" eaLnBrk="1" latinLnBrk="0" hangingPunct="1">
+              <a:lnSpc>
+                <a:spcPct val="90000"/>
+              </a:lnSpc>
+              <a:spcBef>
+                <a:spcPts val="500"/>
+              </a:spcBef>
+              <a:buFont typeface="Arial" panose="020B0604020202020204" pitchFamily="34" charset="0"/>
+              <a:buNone/>
+              <a:defRPr sz="1600" b="1" kern="1200">
+                <a:solidFill>
+                  <a:schemeClr val="tx1"/>
+                </a:solidFill>
+                <a:latin typeface="+mn-lt"/>
+                <a:ea typeface="+mn-ea"/>
+                <a:cs typeface="+mn-cs"/>
+              </a:defRPr>
+            </a:lvl4pPr>
+            <a:lvl5pPr marL="1828800" indent="0" algn="l" defTabSz="914400" rtl="0" eaLnBrk="1" latinLnBrk="0" hangingPunct="1">
+              <a:lnSpc>
+                <a:spcPct val="90000"/>
+              </a:lnSpc>
+              <a:spcBef>
+                <a:spcPts val="500"/>
+              </a:spcBef>
+              <a:buFont typeface="Arial" panose="020B0604020202020204" pitchFamily="34" charset="0"/>
+              <a:buNone/>
+              <a:defRPr sz="1600" b="1" kern="1200">
+                <a:solidFill>
+                  <a:schemeClr val="tx1"/>
+                </a:solidFill>
+                <a:latin typeface="+mn-lt"/>
+                <a:ea typeface="+mn-ea"/>
+                <a:cs typeface="+mn-cs"/>
+              </a:defRPr>
+            </a:lvl5pPr>
+            <a:lvl6pPr marL="2286000" indent="0" algn="l" defTabSz="914400" rtl="0" eaLnBrk="1" latinLnBrk="0" hangingPunct="1">
+              <a:lnSpc>
+                <a:spcPct val="90000"/>
+              </a:lnSpc>
+              <a:spcBef>
+                <a:spcPts val="500"/>
+              </a:spcBef>
+              <a:buFont typeface="Arial" panose="020B0604020202020204" pitchFamily="34" charset="0"/>
+              <a:buNone/>
+              <a:defRPr sz="1600" b="1" kern="1200">
+                <a:solidFill>
+                  <a:schemeClr val="tx1"/>
+                </a:solidFill>
+                <a:latin typeface="+mn-lt"/>
+                <a:ea typeface="+mn-ea"/>
+                <a:cs typeface="+mn-cs"/>
+              </a:defRPr>
+            </a:lvl6pPr>
+            <a:lvl7pPr marL="2743200" indent="0" algn="l" defTabSz="914400" rtl="0" eaLnBrk="1" latinLnBrk="0" hangingPunct="1">
+              <a:lnSpc>
+                <a:spcPct val="90000"/>
+              </a:lnSpc>
+              <a:spcBef>
+                <a:spcPts val="500"/>
+              </a:spcBef>
+              <a:buFont typeface="Arial" panose="020B0604020202020204" pitchFamily="34" charset="0"/>
+              <a:buNone/>
+              <a:defRPr sz="1600" b="1" kern="1200">
+                <a:solidFill>
+                  <a:schemeClr val="tx1"/>
+                </a:solidFill>
+                <a:latin typeface="+mn-lt"/>
+                <a:ea typeface="+mn-ea"/>
+                <a:cs typeface="+mn-cs"/>
+              </a:defRPr>
+            </a:lvl7pPr>
+            <a:lvl8pPr marL="3200400" indent="0" algn="l" defTabSz="914400" rtl="0" eaLnBrk="1" latinLnBrk="0" hangingPunct="1">
+              <a:lnSpc>
+                <a:spcPct val="90000"/>
+              </a:lnSpc>
+              <a:spcBef>
+                <a:spcPts val="500"/>
+              </a:spcBef>
+              <a:buFont typeface="Arial" panose="020B0604020202020204" pitchFamily="34" charset="0"/>
+              <a:buNone/>
+              <a:defRPr sz="1600" b="1" kern="1200">
+                <a:solidFill>
+                  <a:schemeClr val="tx1"/>
+                </a:solidFill>
+                <a:latin typeface="+mn-lt"/>
+                <a:ea typeface="+mn-ea"/>
+                <a:cs typeface="+mn-cs"/>
+              </a:defRPr>
+            </a:lvl8pPr>
+            <a:lvl9pPr marL="3657600" indent="0" algn="l" defTabSz="914400" rtl="0" eaLnBrk="1" latinLnBrk="0" hangingPunct="1">
+              <a:lnSpc>
+                <a:spcPct val="90000"/>
+              </a:lnSpc>
+              <a:spcBef>
+                <a:spcPts val="500"/>
+              </a:spcBef>
+              <a:buFont typeface="Arial" panose="020B0604020202020204" pitchFamily="34" charset="0"/>
+              <a:buNone/>
+              <a:defRPr sz="1600" b="1" kern="1200">
+                <a:solidFill>
+                  <a:schemeClr val="tx1"/>
+                </a:solidFill>
+                <a:latin typeface="+mn-lt"/>
+                <a:ea typeface="+mn-ea"/>
+                <a:cs typeface="+mn-cs"/>
+              </a:defRPr>
+            </a:lvl9pPr>
+          </a:lstStyle>
+          <a:p>
+            <a:r>
+              <a:rPr lang="de-DE"/>
+              <a:t>Kosten / Nutzen Übersicht</a:t>
+            </a:r>
+            <a:endParaRPr lang="de-DE" dirty="0"/>
+          </a:p>
+        </p:txBody>
+      </p:sp>
+      <p:graphicFrame>
+        <p:nvGraphicFramePr>
+          <p:cNvPr id="6" name="Inhaltsplatzhalter 9"/>
+          <p:cNvGraphicFramePr>
+            <a:graphicFrameLocks/>
+          </p:cNvGraphicFramePr>
+          <p:nvPr>
+            <p:extLst>
+              <p:ext uri="{D42A27DB-BD31-4B8C-83A1-F6EECF244321}">
+                <p14:modId xmlns:p14="http://schemas.microsoft.com/office/powerpoint/2010/main" val="2897278256"/>
+              </p:ext>
+            </p:extLst>
+          </p:nvPr>
+        </p:nvGraphicFramePr>
+        <p:xfrm>
+          <a:off x="6196013" y="2329021"/>
+          <a:ext cx="5157787" cy="3684588"/>
+        </p:xfrm>
+        <a:graphic>
+          <a:graphicData uri="http://schemas.openxmlformats.org/drawingml/2006/chart">
+            <c:chart xmlns:c="http://schemas.openxmlformats.org/drawingml/2006/chart" xmlns:r="http://schemas.openxmlformats.org/officeDocument/2006/relationships" r:id="rId2"/>
+          </a:graphicData>
+        </a:graphic>
+      </p:graphicFrame>
+    </p:spTree>
+    <p:extLst>
+      <p:ext uri="{BB962C8B-B14F-4D97-AF65-F5344CB8AC3E}">
+        <p14:creationId xmlns:p14="http://schemas.microsoft.com/office/powerpoint/2010/main" val="3868849890"/>
+      </p:ext>
+    </p:extLst>
+  </p:cSld>
+  <p:clrMapOvr>
+    <a:masterClrMapping/>
+  </p:clrMapOvr>
+</p:sld>
+</file>
+
+<file path=ppt/slides/slide15.xml><?xml version="1.0" encoding="utf-8"?>
+<p:sld xmlns:a="http://schemas.openxmlformats.org/drawingml/2006/main" xmlns:r="http://schemas.openxmlformats.org/officeDocument/2006/relationships" xmlns:p="http://schemas.openxmlformats.org/presentationml/2006/main">
+  <p:cSld>
+    <p:spTree>
+      <p:nvGrpSpPr>
+        <p:cNvPr id="1" name=""/>
+        <p:cNvGrpSpPr/>
+        <p:nvPr/>
+      </p:nvGrpSpPr>
+      <p:grpSpPr>
+        <a:xfrm>
+          <a:off x="0" y="0"/>
+          <a:ext cx="0" cy="0"/>
+          <a:chOff x="0" y="0"/>
+          <a:chExt cx="0" cy="0"/>
+        </a:xfrm>
+      </p:grpSpPr>
+      <p:sp>
+        <p:nvSpPr>
+          <p:cNvPr id="2" name="Titel 1"/>
+          <p:cNvSpPr>
+            <a:spLocks noGrp="1"/>
+          </p:cNvSpPr>
+          <p:nvPr>
+            <p:ph type="title"/>
+          </p:nvPr>
+        </p:nvSpPr>
+        <p:spPr/>
+        <p:txBody>
+          <a:bodyPr/>
+          <a:lstStyle/>
+          <a:p>
+            <a:r>
+              <a:rPr lang="de-DE" dirty="0"/>
+              <a:t>Monetäre Kennzahlen</a:t>
+            </a:r>
+          </a:p>
+        </p:txBody>
+      </p:sp>
+      <p:sp>
+        <p:nvSpPr>
+          <p:cNvPr id="3" name="Inhaltsplatzhalter 2"/>
+          <p:cNvSpPr>
+            <a:spLocks noGrp="1"/>
+          </p:cNvSpPr>
+          <p:nvPr>
+            <p:ph idx="1"/>
+          </p:nvPr>
+        </p:nvSpPr>
+        <p:spPr>
+          <a:xfrm>
+            <a:off x="838200" y="1825625"/>
+            <a:ext cx="10515600" cy="2629852"/>
+          </a:xfrm>
+        </p:spPr>
+        <p:txBody>
+          <a:bodyPr>
+            <a:normAutofit lnSpcReduction="10000"/>
+          </a:bodyPr>
+          <a:lstStyle/>
+          <a:p>
+            <a:r>
+              <a:rPr lang="de-DE" dirty="0"/>
+              <a:t>Kapitalwertmethode</a:t>
+            </a:r>
+          </a:p>
+          <a:p>
+            <a:pPr lvl="1"/>
+            <a:r>
+              <a:rPr lang="de-DE" dirty="0"/>
+              <a:t>Eingabe von Einnahmen / Ausgaben </a:t>
+            </a:r>
+          </a:p>
+          <a:p>
+            <a:pPr lvl="1"/>
+            <a:r>
+              <a:rPr lang="de-DE" dirty="0"/>
+              <a:t>I = Kosten</a:t>
+            </a:r>
+          </a:p>
+          <a:p>
+            <a:pPr lvl="1"/>
+            <a:r>
+              <a:rPr lang="de-DE" dirty="0" err="1"/>
+              <a:t>Zinsatz</a:t>
+            </a:r>
+            <a:r>
+              <a:rPr lang="de-DE" dirty="0"/>
+              <a:t> setzt sich aus:</a:t>
+            </a:r>
+          </a:p>
+          <a:p>
+            <a:pPr lvl="2"/>
+            <a:r>
+              <a:rPr lang="de-DE" dirty="0"/>
+              <a:t>Risikozins </a:t>
+            </a:r>
+            <a:r>
+              <a:rPr lang="de-DE" dirty="0">
+                <a:sym typeface="Wingdings" panose="05000000000000000000" pitchFamily="2" charset="2"/>
+              </a:rPr>
+              <a:t> Manuelle Eingabe, Kalkulation des unternehmerischen Risikos</a:t>
+            </a:r>
+            <a:endParaRPr lang="de-DE" dirty="0"/>
+          </a:p>
+          <a:p>
+            <a:pPr lvl="2"/>
+            <a:r>
+              <a:rPr lang="de-DE" dirty="0"/>
+              <a:t>Risikolose Verzinsung (Anleihen) </a:t>
+            </a:r>
+            <a:r>
+              <a:rPr lang="de-DE" dirty="0">
+                <a:sym typeface="Wingdings" panose="05000000000000000000" pitchFamily="2" charset="2"/>
+              </a:rPr>
+              <a:t> Festwert</a:t>
+            </a:r>
+            <a:endParaRPr lang="de-DE" dirty="0"/>
+          </a:p>
+          <a:p>
+            <a:pPr lvl="2"/>
+            <a:r>
+              <a:rPr lang="de-DE" dirty="0"/>
+              <a:t>Inflationsrate </a:t>
+            </a:r>
+            <a:r>
+              <a:rPr lang="de-DE" dirty="0">
+                <a:sym typeface="Wingdings" panose="05000000000000000000" pitchFamily="2" charset="2"/>
+              </a:rPr>
+              <a:t> Automatisch aus Internet ziehen</a:t>
+            </a:r>
+            <a:endParaRPr lang="de-DE" dirty="0"/>
+          </a:p>
+          <a:p>
+            <a:pPr lvl="2"/>
+            <a:endParaRPr lang="de-DE" dirty="0"/>
+          </a:p>
+        </p:txBody>
+      </p:sp>
+      <p:pic>
+        <p:nvPicPr>
+          <p:cNvPr id="4" name="Grafik 3"/>
+          <p:cNvPicPr>
+            <a:picLocks noChangeAspect="1"/>
+          </p:cNvPicPr>
+          <p:nvPr/>
+        </p:nvPicPr>
+        <p:blipFill>
+          <a:blip r:embed="rId2"/>
+          <a:stretch>
+            <a:fillRect/>
+          </a:stretch>
+        </p:blipFill>
+        <p:spPr>
+          <a:xfrm>
+            <a:off x="2788920" y="4455477"/>
+            <a:ext cx="6614160" cy="2196493"/>
+          </a:xfrm>
+          <a:prstGeom prst="rect">
+            <a:avLst/>
+          </a:prstGeom>
+        </p:spPr>
+      </p:pic>
+    </p:spTree>
+    <p:extLst>
+      <p:ext uri="{BB962C8B-B14F-4D97-AF65-F5344CB8AC3E}">
+        <p14:creationId xmlns:p14="http://schemas.microsoft.com/office/powerpoint/2010/main" val="167863601"/>
+      </p:ext>
+    </p:extLst>
+  </p:cSld>
+  <p:clrMapOvr>
+    <a:masterClrMapping/>
+  </p:clrMapOvr>
+</p:sld>
+</file>
+
+<file path=ppt/slides/slide16.xml><?xml version="1.0" encoding="utf-8"?>
+<p:sld xmlns:a="http://schemas.openxmlformats.org/drawingml/2006/main" xmlns:r="http://schemas.openxmlformats.org/officeDocument/2006/relationships" xmlns:p="http://schemas.openxmlformats.org/presentationml/2006/main">
+  <p:cSld>
+    <p:spTree>
+      <p:nvGrpSpPr>
+        <p:cNvPr id="1" name=""/>
+        <p:cNvGrpSpPr/>
+        <p:nvPr/>
+      </p:nvGrpSpPr>
+      <p:grpSpPr>
+        <a:xfrm>
+          <a:off x="0" y="0"/>
+          <a:ext cx="0" cy="0"/>
+          <a:chOff x="0" y="0"/>
+          <a:chExt cx="0" cy="0"/>
+        </a:xfrm>
+      </p:grpSpPr>
+      <p:sp>
+        <p:nvSpPr>
+          <p:cNvPr id="2055" name="Rectangle 2054"/>
+          <p:cNvSpPr>
+            <a:spLocks noGrp="1" noRot="1" noChangeAspect="1" noMove="1" noResize="1" noEditPoints="1" noAdjustHandles="1" noChangeArrowheads="1" noChangeShapeType="1" noTextEdit="1"/>
+          </p:cNvSpPr>
+          <p:nvPr>
+            <p:extLst>
+              <p:ext uri="{386F3935-93C4-4BCD-93E2-E3B085C9AB24}">
+                <p16:designElem xmlns:p16="http://schemas.microsoft.com/office/powerpoint/2015/main" val="1"/>
+              </p:ext>
+            </p:extLst>
+          </p:nvPr>
+        </p:nvSpPr>
+        <p:spPr bwMode="white">
+          <a:xfrm>
+            <a:off x="0" y="0"/>
+            <a:ext cx="12192000" cy="6858000"/>
+          </a:xfrm>
+          <a:prstGeom prst="rect">
+            <a:avLst/>
+          </a:prstGeom>
+          <a:solidFill>
+            <a:schemeClr val="bg1"/>
+          </a:solidFill>
+          <a:ln>
+            <a:noFill/>
+          </a:ln>
+          <a:effectLst/>
+        </p:spPr>
+      </p:sp>
+      <p:pic>
+        <p:nvPicPr>
+          <p:cNvPr id="8" name="Picture 2" descr="http://ursula-hellmann.com/wp-content/uploads/2013/03/Fotolia_Taschenuhr_M.jpg"/>
+          <p:cNvPicPr>
+            <a:picLocks noChangeAspect="1" noChangeArrowheads="1"/>
+          </p:cNvPicPr>
+          <p:nvPr/>
+        </p:nvPicPr>
+        <p:blipFill rotWithShape="1">
+          <a:blip r:embed="rId2">
+            <a:extLst>
+              <a:ext uri="{28A0092B-C50C-407E-A947-70E740481C1C}">
+                <a14:useLocalDpi xmlns:a14="http://schemas.microsoft.com/office/drawing/2010/main" val="0"/>
+              </a:ext>
+            </a:extLst>
+          </a:blip>
+          <a:srcRect b="15730"/>
+          <a:stretch/>
+        </p:blipFill>
+        <p:spPr bwMode="auto">
+          <a:xfrm>
+            <a:off x="20" y="10"/>
+            <a:ext cx="12191980" cy="6857990"/>
+          </a:xfrm>
+          <a:prstGeom prst="rect">
+            <a:avLst/>
+          </a:prstGeom>
+          <a:noFill/>
+          <a:extLst>
+            <a:ext uri="{909E8E84-426E-40DD-AFC4-6F175D3DCCD1}">
+              <a14:hiddenFill xmlns:a14="http://schemas.microsoft.com/office/drawing/2010/main">
+                <a:solidFill>
+                  <a:srgbClr val="FFFFFF"/>
+                </a:solidFill>
+              </a14:hiddenFill>
+            </a:ext>
+          </a:extLst>
+        </p:spPr>
+      </p:pic>
+      <p:sp>
+        <p:nvSpPr>
+          <p:cNvPr id="136" name="Down Arrow 7"/>
+          <p:cNvSpPr>
+            <a:spLocks noGrp="1" noRot="1" noChangeAspect="1" noMove="1" noResize="1" noEditPoints="1" noAdjustHandles="1" noChangeArrowheads="1" noChangeShapeType="1" noTextEdit="1"/>
+          </p:cNvSpPr>
+          <p:nvPr>
+            <p:extLst>
+              <p:ext uri="{386F3935-93C4-4BCD-93E2-E3B085C9AB24}">
+                <p16:designElem xmlns:p16="http://schemas.microsoft.com/office/powerpoint/2015/main" val="1"/>
+              </p:ext>
+            </p:extLst>
+          </p:nvPr>
+        </p:nvSpPr>
+        <p:spPr>
+          <a:xfrm>
+            <a:off x="800100" y="-4763"/>
+            <a:ext cx="3333749" cy="3338514"/>
+          </a:xfrm>
+          <a:prstGeom prst="downArrow">
+            <a:avLst>
+              <a:gd name="adj1" fmla="val 100000"/>
+              <a:gd name="adj2" fmla="val 26890"/>
+            </a:avLst>
+          </a:prstGeom>
+          <a:solidFill>
+            <a:schemeClr val="tx1">
+              <a:lumMod val="85000"/>
+              <a:lumOff val="15000"/>
+            </a:schemeClr>
+          </a:solidFill>
+          <a:ln w="53975">
+            <a:noFill/>
+          </a:ln>
+        </p:spPr>
+        <p:style>
+          <a:lnRef idx="2">
+            <a:schemeClr val="accent1">
+              <a:shade val="50000"/>
+            </a:schemeClr>
+          </a:lnRef>
+          <a:fillRef idx="1">
+            <a:schemeClr val="accent1"/>
+          </a:fillRef>
+          <a:effectRef idx="0">
+            <a:schemeClr val="accent1"/>
+          </a:effectRef>
+          <a:fontRef idx="minor">
+            <a:schemeClr val="lt1"/>
+          </a:fontRef>
+        </p:style>
+        <p:txBody>
+          <a:bodyPr rtlCol="0" anchor="ctr"/>
+          <a:lstStyle/>
+          <a:p>
+            <a:pPr algn="ctr"/>
+            <a:endParaRPr lang="en-US"/>
+          </a:p>
+        </p:txBody>
+      </p:sp>
+      <p:sp>
+        <p:nvSpPr>
+          <p:cNvPr id="2" name="Titel 1"/>
+          <p:cNvSpPr>
+            <a:spLocks noGrp="1"/>
+          </p:cNvSpPr>
+          <p:nvPr>
+            <p:ph type="title"/>
+          </p:nvPr>
+        </p:nvSpPr>
+        <p:spPr>
+          <a:xfrm>
+            <a:off x="1028700" y="190501"/>
+            <a:ext cx="2886075" cy="2486024"/>
+          </a:xfrm>
+          <a:noFill/>
+        </p:spPr>
+        <p:txBody>
+          <a:bodyPr vert="horz" lIns="91440" tIns="45720" rIns="91440" bIns="45720" rtlCol="0" anchor="ctr">
+            <a:normAutofit/>
+          </a:bodyPr>
+          <a:lstStyle/>
+          <a:p>
+            <a:pPr algn="ctr"/>
+            <a:r>
+              <a:rPr lang="en-US" sz="3600" dirty="0" err="1">
+                <a:solidFill>
+                  <a:schemeClr val="bg1"/>
+                </a:solidFill>
+              </a:rPr>
+              <a:t>Zeit</a:t>
+            </a:r>
+            <a:endParaRPr lang="en-US" sz="3600" dirty="0">
+              <a:solidFill>
+                <a:schemeClr val="bg1"/>
+              </a:solidFill>
+            </a:endParaRPr>
+          </a:p>
+        </p:txBody>
+      </p:sp>
+    </p:spTree>
+    <p:extLst>
+      <p:ext uri="{BB962C8B-B14F-4D97-AF65-F5344CB8AC3E}">
+        <p14:creationId xmlns:p14="http://schemas.microsoft.com/office/powerpoint/2010/main" val="2933380450"/>
+      </p:ext>
+    </p:extLst>
+  </p:cSld>
+  <p:clrMapOvr>
+    <a:masterClrMapping/>
+  </p:clrMapOvr>
+</p:sld>
+</file>
+
+<file path=ppt/slides/slide17.xml><?xml version="1.0" encoding="utf-8"?>
+<p:sld xmlns:a="http://schemas.openxmlformats.org/drawingml/2006/main" xmlns:r="http://schemas.openxmlformats.org/officeDocument/2006/relationships" xmlns:p="http://schemas.openxmlformats.org/presentationml/2006/main">
+  <p:cSld>
+    <p:spTree>
+      <p:nvGrpSpPr>
+        <p:cNvPr id="1" name=""/>
+        <p:cNvGrpSpPr/>
+        <p:nvPr/>
+      </p:nvGrpSpPr>
+      <p:grpSpPr>
+        <a:xfrm>
+          <a:off x="0" y="0"/>
+          <a:ext cx="0" cy="0"/>
+          <a:chOff x="0" y="0"/>
+          <a:chExt cx="0" cy="0"/>
+        </a:xfrm>
+      </p:grpSpPr>
+      <p:sp>
+        <p:nvSpPr>
+          <p:cNvPr id="2" name="Titel 1"/>
+          <p:cNvSpPr>
+            <a:spLocks noGrp="1"/>
+          </p:cNvSpPr>
+          <p:nvPr>
+            <p:ph type="title"/>
+          </p:nvPr>
+        </p:nvSpPr>
+        <p:spPr/>
+        <p:txBody>
+          <a:bodyPr/>
+          <a:lstStyle/>
+          <a:p>
+            <a:r>
+              <a:rPr lang="de-DE" dirty="0"/>
+              <a:t>Zeit Kennzahlen</a:t>
+            </a:r>
+          </a:p>
+        </p:txBody>
+      </p:sp>
+      <p:sp>
+        <p:nvSpPr>
+          <p:cNvPr id="3" name="Inhaltsplatzhalter 2"/>
+          <p:cNvSpPr>
+            <a:spLocks noGrp="1"/>
+          </p:cNvSpPr>
+          <p:nvPr>
+            <p:ph idx="1"/>
+          </p:nvPr>
+        </p:nvSpPr>
+        <p:spPr/>
+        <p:txBody>
+          <a:bodyPr/>
+          <a:lstStyle/>
+          <a:p>
+            <a:r>
+              <a:rPr lang="de-DE" dirty="0"/>
+              <a:t>Kalkulierte Start / Endzeit eines Projekts</a:t>
+            </a:r>
+          </a:p>
+          <a:p>
+            <a:r>
+              <a:rPr lang="de-DE" dirty="0"/>
+              <a:t>Tatsächliche Start / Endzeit eines Projekts</a:t>
+            </a:r>
+          </a:p>
+          <a:p>
+            <a:pPr lvl="1"/>
+            <a:r>
+              <a:rPr lang="de-DE" dirty="0">
+                <a:sym typeface="Wingdings" panose="05000000000000000000" pitchFamily="2" charset="2"/>
+              </a:rPr>
+              <a:t> Ableitung von Vergleichen (Verzug um Tage, Prozentwerte) und Visualisierung</a:t>
+            </a:r>
+          </a:p>
+          <a:p>
+            <a:pPr lvl="1"/>
+            <a:endParaRPr lang="de-DE" dirty="0">
+              <a:sym typeface="Wingdings" panose="05000000000000000000" pitchFamily="2" charset="2"/>
+            </a:endParaRPr>
+          </a:p>
+          <a:p>
+            <a:pPr marL="457200" lvl="1" indent="0">
+              <a:buNone/>
+            </a:pPr>
+            <a:endParaRPr lang="de-DE" dirty="0">
+              <a:sym typeface="Wingdings" panose="05000000000000000000" pitchFamily="2" charset="2"/>
+            </a:endParaRPr>
+          </a:p>
+          <a:p>
+            <a:endParaRPr lang="de-DE" dirty="0"/>
+          </a:p>
+          <a:p>
+            <a:endParaRPr lang="de-DE" dirty="0"/>
+          </a:p>
+        </p:txBody>
+      </p:sp>
+      <p:graphicFrame>
+        <p:nvGraphicFramePr>
+          <p:cNvPr id="6" name="Diagramm 5"/>
+          <p:cNvGraphicFramePr/>
+          <p:nvPr>
+            <p:extLst>
+              <p:ext uri="{D42A27DB-BD31-4B8C-83A1-F6EECF244321}">
+                <p14:modId xmlns:p14="http://schemas.microsoft.com/office/powerpoint/2010/main" val="492257840"/>
+              </p:ext>
+            </p:extLst>
+          </p:nvPr>
+        </p:nvGraphicFramePr>
+        <p:xfrm>
+          <a:off x="2032000" y="3526971"/>
+          <a:ext cx="8128000" cy="2611362"/>
+        </p:xfrm>
+        <a:graphic>
+          <a:graphicData uri="http://schemas.openxmlformats.org/drawingml/2006/chart">
+            <c:chart xmlns:c="http://schemas.openxmlformats.org/drawingml/2006/chart" xmlns:r="http://schemas.openxmlformats.org/officeDocument/2006/relationships" r:id="rId2"/>
+          </a:graphicData>
+        </a:graphic>
+      </p:graphicFrame>
+    </p:spTree>
+    <p:extLst>
+      <p:ext uri="{BB962C8B-B14F-4D97-AF65-F5344CB8AC3E}">
+        <p14:creationId xmlns:p14="http://schemas.microsoft.com/office/powerpoint/2010/main" val="305312846"/>
+      </p:ext>
+    </p:extLst>
+  </p:cSld>
+  <p:clrMapOvr>
+    <a:masterClrMapping/>
+  </p:clrMapOvr>
+</p:sld>
+</file>
+
+<file path=ppt/slides/slide18.xml><?xml version="1.0" encoding="utf-8"?>
+<p:sld xmlns:a="http://schemas.openxmlformats.org/drawingml/2006/main" xmlns:r="http://schemas.openxmlformats.org/officeDocument/2006/relationships" xmlns:p="http://schemas.openxmlformats.org/presentationml/2006/main">
+  <p:cSld>
+    <p:spTree>
+      <p:nvGrpSpPr>
+        <p:cNvPr id="1" name=""/>
+        <p:cNvGrpSpPr/>
+        <p:nvPr/>
+      </p:nvGrpSpPr>
+      <p:grpSpPr>
+        <a:xfrm>
+          <a:off x="0" y="0"/>
+          <a:ext cx="0" cy="0"/>
+          <a:chOff x="0" y="0"/>
+          <a:chExt cx="0" cy="0"/>
+        </a:xfrm>
+      </p:grpSpPr>
+      <p:sp>
+        <p:nvSpPr>
+          <p:cNvPr id="4100" name="Rectangle 4099"/>
+          <p:cNvSpPr>
+            <a:spLocks noGrp="1" noRot="1" noChangeAspect="1" noMove="1" noResize="1" noEditPoints="1" noAdjustHandles="1" noChangeArrowheads="1" noChangeShapeType="1" noTextEdit="1"/>
+          </p:cNvSpPr>
+          <p:nvPr>
+            <p:extLst>
+              <p:ext uri="{386F3935-93C4-4BCD-93E2-E3B085C9AB24}">
+                <p16:designElem xmlns:p16="http://schemas.microsoft.com/office/powerpoint/2015/main" val="1"/>
+              </p:ext>
+            </p:extLst>
+          </p:nvPr>
+        </p:nvSpPr>
+        <p:spPr bwMode="white">
+          <a:xfrm>
+            <a:off x="0" y="0"/>
+            <a:ext cx="12192000" cy="6858000"/>
+          </a:xfrm>
+          <a:prstGeom prst="rect">
+            <a:avLst/>
+          </a:prstGeom>
+          <a:solidFill>
+            <a:schemeClr val="bg1"/>
+          </a:solidFill>
+          <a:ln>
+            <a:noFill/>
+          </a:ln>
+          <a:effectLst/>
+        </p:spPr>
+      </p:sp>
+      <p:pic>
+        <p:nvPicPr>
+          <p:cNvPr id="4098" name="Picture 2" descr="http://mitarbeiterbindung24.de/wp-content/uploads/2012/10/business-e1353613814275.jpg"/>
+          <p:cNvPicPr>
+            <a:picLocks noChangeAspect="1" noChangeArrowheads="1"/>
+          </p:cNvPicPr>
+          <p:nvPr/>
+        </p:nvPicPr>
+        <p:blipFill rotWithShape="1">
+          <a:blip r:embed="rId2">
+            <a:extLst>
+              <a:ext uri="{28A0092B-C50C-407E-A947-70E740481C1C}">
+                <a14:useLocalDpi xmlns:a14="http://schemas.microsoft.com/office/drawing/2010/main" val="0"/>
+              </a:ext>
+            </a:extLst>
+          </a:blip>
+          <a:srcRect l="16191" r="18031"/>
+          <a:stretch/>
+        </p:blipFill>
+        <p:spPr bwMode="auto">
+          <a:xfrm>
+            <a:off x="20" y="10"/>
+            <a:ext cx="12191980" cy="6857990"/>
+          </a:xfrm>
+          <a:prstGeom prst="rect">
+            <a:avLst/>
+          </a:prstGeom>
+          <a:noFill/>
+          <a:extLst>
+            <a:ext uri="{909E8E84-426E-40DD-AFC4-6F175D3DCCD1}">
+              <a14:hiddenFill xmlns:a14="http://schemas.microsoft.com/office/drawing/2010/main">
+                <a:solidFill>
+                  <a:srgbClr val="FFFFFF"/>
+                </a:solidFill>
+              </a14:hiddenFill>
+            </a:ext>
+          </a:extLst>
+        </p:spPr>
+      </p:pic>
+      <p:sp>
+        <p:nvSpPr>
+          <p:cNvPr id="69" name="Down Arrow 7"/>
+          <p:cNvSpPr>
+            <a:spLocks noGrp="1" noRot="1" noChangeAspect="1" noMove="1" noResize="1" noEditPoints="1" noAdjustHandles="1" noChangeArrowheads="1" noChangeShapeType="1" noTextEdit="1"/>
+          </p:cNvSpPr>
+          <p:nvPr>
+            <p:extLst>
+              <p:ext uri="{386F3935-93C4-4BCD-93E2-E3B085C9AB24}">
+                <p16:designElem xmlns:p16="http://schemas.microsoft.com/office/powerpoint/2015/main" val="1"/>
+              </p:ext>
+            </p:extLst>
+          </p:nvPr>
+        </p:nvSpPr>
+        <p:spPr>
+          <a:xfrm>
+            <a:off x="800100" y="-4763"/>
+            <a:ext cx="3333749" cy="3338514"/>
+          </a:xfrm>
+          <a:prstGeom prst="downArrow">
+            <a:avLst>
+              <a:gd name="adj1" fmla="val 100000"/>
+              <a:gd name="adj2" fmla="val 26890"/>
+            </a:avLst>
+          </a:prstGeom>
+          <a:solidFill>
+            <a:schemeClr val="tx1">
+              <a:lumMod val="85000"/>
+              <a:lumOff val="15000"/>
+            </a:schemeClr>
+          </a:solidFill>
+          <a:ln w="53975">
+            <a:noFill/>
+          </a:ln>
+        </p:spPr>
+        <p:style>
+          <a:lnRef idx="2">
+            <a:schemeClr val="accent1">
+              <a:shade val="50000"/>
+            </a:schemeClr>
+          </a:lnRef>
+          <a:fillRef idx="1">
+            <a:schemeClr val="accent1"/>
+          </a:fillRef>
+          <a:effectRef idx="0">
+            <a:schemeClr val="accent1"/>
+          </a:effectRef>
+          <a:fontRef idx="minor">
+            <a:schemeClr val="lt1"/>
+          </a:fontRef>
+        </p:style>
+        <p:txBody>
+          <a:bodyPr rtlCol="0" anchor="ctr"/>
+          <a:lstStyle/>
+          <a:p>
+            <a:pPr algn="ctr"/>
+            <a:endParaRPr lang="en-US"/>
+          </a:p>
+        </p:txBody>
+      </p:sp>
+      <p:sp>
+        <p:nvSpPr>
+          <p:cNvPr id="2" name="Titel 1"/>
+          <p:cNvSpPr>
+            <a:spLocks noGrp="1"/>
+          </p:cNvSpPr>
+          <p:nvPr>
+            <p:ph type="title"/>
+          </p:nvPr>
+        </p:nvSpPr>
+        <p:spPr>
+          <a:xfrm>
+            <a:off x="1028700" y="190501"/>
+            <a:ext cx="2886075" cy="2486024"/>
+          </a:xfrm>
+          <a:noFill/>
+        </p:spPr>
+        <p:txBody>
+          <a:bodyPr vert="horz" lIns="91440" tIns="45720" rIns="91440" bIns="45720" rtlCol="0" anchor="ctr">
+            <a:normAutofit/>
+          </a:bodyPr>
+          <a:lstStyle/>
+          <a:p>
+            <a:pPr algn="ctr"/>
+            <a:r>
+              <a:rPr lang="en-US" sz="3600" dirty="0" err="1">
+                <a:solidFill>
+                  <a:schemeClr val="bg1"/>
+                </a:solidFill>
+              </a:rPr>
+              <a:t>Mitarbeiter</a:t>
+            </a:r>
+            <a:endParaRPr lang="en-US" sz="3600" dirty="0">
+              <a:solidFill>
+                <a:schemeClr val="bg1"/>
+              </a:solidFill>
+            </a:endParaRPr>
+          </a:p>
+        </p:txBody>
+      </p:sp>
+    </p:spTree>
+    <p:extLst>
+      <p:ext uri="{BB962C8B-B14F-4D97-AF65-F5344CB8AC3E}">
+        <p14:creationId xmlns:p14="http://schemas.microsoft.com/office/powerpoint/2010/main" val="2773439848"/>
+      </p:ext>
+    </p:extLst>
+  </p:cSld>
+  <p:clrMapOvr>
+    <a:masterClrMapping/>
+  </p:clrMapOvr>
+</p:sld>
+</file>
+
+<file path=ppt/slides/slide19.xml><?xml version="1.0" encoding="utf-8"?>
+<p:sld xmlns:a="http://schemas.openxmlformats.org/drawingml/2006/main" xmlns:r="http://schemas.openxmlformats.org/officeDocument/2006/relationships" xmlns:p="http://schemas.openxmlformats.org/presentationml/2006/main">
+  <p:cSld>
+    <p:spTree>
+      <p:nvGrpSpPr>
+        <p:cNvPr id="1" name=""/>
+        <p:cNvGrpSpPr/>
+        <p:nvPr/>
+      </p:nvGrpSpPr>
+      <p:grpSpPr>
+        <a:xfrm>
+          <a:off x="0" y="0"/>
+          <a:ext cx="0" cy="0"/>
+          <a:chOff x="0" y="0"/>
+          <a:chExt cx="0" cy="0"/>
+        </a:xfrm>
+      </p:grpSpPr>
+      <p:sp>
+        <p:nvSpPr>
+          <p:cNvPr id="2" name="Titel 1"/>
+          <p:cNvSpPr>
+            <a:spLocks noGrp="1"/>
+          </p:cNvSpPr>
+          <p:nvPr>
+            <p:ph type="title"/>
+          </p:nvPr>
+        </p:nvSpPr>
+        <p:spPr/>
+        <p:txBody>
+          <a:bodyPr/>
+          <a:lstStyle/>
+          <a:p>
+            <a:r>
+              <a:rPr lang="de-DE" dirty="0"/>
+              <a:t>Mitarbeiter Kennzahlen / Funktionen</a:t>
+            </a:r>
+          </a:p>
+        </p:txBody>
+      </p:sp>
+      <p:sp>
+        <p:nvSpPr>
+          <p:cNvPr id="3" name="Inhaltsplatzhalter 2"/>
+          <p:cNvSpPr>
+            <a:spLocks noGrp="1"/>
+          </p:cNvSpPr>
+          <p:nvPr>
+            <p:ph idx="1"/>
+          </p:nvPr>
+        </p:nvSpPr>
+        <p:spPr/>
+        <p:txBody>
+          <a:bodyPr/>
+          <a:lstStyle/>
+          <a:p>
+            <a:r>
+              <a:rPr lang="de-DE" dirty="0"/>
+              <a:t>Zuordnung von Projektleitern zu Projekten</a:t>
+            </a:r>
+          </a:p>
+          <a:p>
+            <a:pPr lvl="1"/>
+            <a:r>
+              <a:rPr lang="de-DE" dirty="0">
+                <a:sym typeface="Wingdings" panose="05000000000000000000" pitchFamily="2" charset="2"/>
+              </a:rPr>
+              <a:t> Ableitung von Ressourcen (Freie Projektleiter, Gebuchte Projektleiter)</a:t>
+            </a:r>
+            <a:endParaRPr lang="de-DE" dirty="0"/>
+          </a:p>
+          <a:p>
+            <a:r>
+              <a:rPr lang="de-DE" dirty="0"/>
+              <a:t>Genehmigungsstufen von Projekten durch Unternehmenshierarchie</a:t>
+            </a:r>
+          </a:p>
+          <a:p>
+            <a:pPr lvl="1"/>
+            <a:r>
+              <a:rPr lang="de-DE" dirty="0"/>
+              <a:t>Bis 5.000 € Teamleiter</a:t>
+            </a:r>
+          </a:p>
+          <a:p>
+            <a:pPr lvl="1"/>
+            <a:r>
+              <a:rPr lang="de-DE" dirty="0"/>
+              <a:t>Von 5.000 € Bis 10.000 € Abteilungsleiter</a:t>
+            </a:r>
+          </a:p>
+          <a:p>
+            <a:pPr lvl="1"/>
+            <a:r>
+              <a:rPr lang="de-DE" dirty="0"/>
+              <a:t>Von 10.000 € Bis 25.000 € Standortleiter</a:t>
+            </a:r>
+          </a:p>
+          <a:p>
+            <a:pPr lvl="1"/>
+            <a:r>
+              <a:rPr lang="de-DE" dirty="0"/>
+              <a:t>Größer 25.000 € Konzernleiter</a:t>
+            </a:r>
+          </a:p>
+          <a:p>
+            <a:pPr lvl="1"/>
+            <a:endParaRPr lang="de-DE" dirty="0"/>
+          </a:p>
+          <a:p>
+            <a:pPr lvl="1"/>
+            <a:endParaRPr lang="de-DE" dirty="0"/>
+          </a:p>
+        </p:txBody>
+      </p:sp>
+    </p:spTree>
+    <p:extLst>
+      <p:ext uri="{BB962C8B-B14F-4D97-AF65-F5344CB8AC3E}">
+        <p14:creationId xmlns:p14="http://schemas.microsoft.com/office/powerpoint/2010/main" val="2939736530"/>
+      </p:ext>
+    </p:extLst>
+  </p:cSld>
+  <p:clrMapOvr>
+    <a:masterClrMapping/>
+  </p:clrMapOvr>
+</p:sld>
+</file>
+
 <file path=ppt/slides/slide2.xml><?xml version="1.0" encoding="utf-8"?>
 <p:sld xmlns:a="http://schemas.openxmlformats.org/drawingml/2006/main" xmlns:r="http://schemas.openxmlformats.org/officeDocument/2006/relationships" xmlns:p="http://schemas.openxmlformats.org/presentationml/2006/main">
   <p:cSld>
@@ -4027,6 +7639,1265 @@
     <p:extLst>
       <p:ext uri="{BB962C8B-B14F-4D97-AF65-F5344CB8AC3E}">
         <p14:creationId xmlns:p14="http://schemas.microsoft.com/office/powerpoint/2010/main" val="604914760"/>
+      </p:ext>
+    </p:extLst>
+  </p:cSld>
+  <p:clrMapOvr>
+    <a:masterClrMapping/>
+  </p:clrMapOvr>
+</p:sld>
+</file>
+
+<file path=ppt/slides/slide20.xml><?xml version="1.0" encoding="utf-8"?>
+<p:sld xmlns:a="http://schemas.openxmlformats.org/drawingml/2006/main" xmlns:r="http://schemas.openxmlformats.org/officeDocument/2006/relationships" xmlns:p="http://schemas.openxmlformats.org/presentationml/2006/main">
+  <p:cSld>
+    <p:spTree>
+      <p:nvGrpSpPr>
+        <p:cNvPr id="1" name=""/>
+        <p:cNvGrpSpPr/>
+        <p:nvPr/>
+      </p:nvGrpSpPr>
+      <p:grpSpPr>
+        <a:xfrm>
+          <a:off x="0" y="0"/>
+          <a:ext cx="0" cy="0"/>
+          <a:chOff x="0" y="0"/>
+          <a:chExt cx="0" cy="0"/>
+        </a:xfrm>
+      </p:grpSpPr>
+      <p:sp>
+        <p:nvSpPr>
+          <p:cNvPr id="2" name="Titel 1"/>
+          <p:cNvSpPr>
+            <a:spLocks noGrp="1"/>
+          </p:cNvSpPr>
+          <p:nvPr>
+            <p:ph type="title"/>
+          </p:nvPr>
+        </p:nvSpPr>
+        <p:spPr>
+          <a:xfrm>
+            <a:off x="838200" y="365125"/>
+            <a:ext cx="10515600" cy="1325563"/>
+          </a:xfrm>
+        </p:spPr>
+        <p:txBody>
+          <a:bodyPr/>
+          <a:lstStyle/>
+          <a:p>
+            <a:endParaRPr lang="de-DE"/>
+          </a:p>
+        </p:txBody>
+      </p:sp>
+      <p:sp>
+        <p:nvSpPr>
+          <p:cNvPr id="3" name="Inhaltsplatzhalter 2"/>
+          <p:cNvSpPr>
+            <a:spLocks noGrp="1"/>
+          </p:cNvSpPr>
+          <p:nvPr>
+            <p:ph idx="1"/>
+          </p:nvPr>
+        </p:nvSpPr>
+        <p:spPr>
+          <a:xfrm>
+            <a:off x="838200" y="1825625"/>
+            <a:ext cx="10515600" cy="4351338"/>
+          </a:xfrm>
+        </p:spPr>
+        <p:txBody>
+          <a:bodyPr/>
+          <a:lstStyle/>
+          <a:p>
+            <a:endParaRPr lang="de-DE" dirty="0"/>
+          </a:p>
+        </p:txBody>
+      </p:sp>
+      <p:pic>
+        <p:nvPicPr>
+          <p:cNvPr id="7170" name="Picture 2" descr="fx_projekte.jpg (661×289)"/>
+          <p:cNvPicPr>
+            <a:picLocks noChangeAspect="1" noChangeArrowheads="1"/>
+          </p:cNvPicPr>
+          <p:nvPr/>
+        </p:nvPicPr>
+        <p:blipFill>
+          <a:blip r:embed="rId2">
+            <a:extLst>
+              <a:ext uri="{28A0092B-C50C-407E-A947-70E740481C1C}">
+                <a14:useLocalDpi xmlns:a14="http://schemas.microsoft.com/office/drawing/2010/main" val="0"/>
+              </a:ext>
+            </a:extLst>
+          </a:blip>
+          <a:srcRect/>
+          <a:stretch>
+            <a:fillRect/>
+          </a:stretch>
+        </p:blipFill>
+        <p:spPr bwMode="auto">
+          <a:xfrm>
+            <a:off x="1" y="0"/>
+            <a:ext cx="12192000" cy="6858000"/>
+          </a:xfrm>
+          <a:prstGeom prst="rect">
+            <a:avLst/>
+          </a:prstGeom>
+          <a:noFill/>
+          <a:extLst>
+            <a:ext uri="{909E8E84-426E-40DD-AFC4-6F175D3DCCD1}">
+              <a14:hiddenFill xmlns:a14="http://schemas.microsoft.com/office/drawing/2010/main">
+                <a:solidFill>
+                  <a:srgbClr val="FFFFFF"/>
+                </a:solidFill>
+              </a14:hiddenFill>
+            </a:ext>
+          </a:extLst>
+        </p:spPr>
+      </p:pic>
+      <p:sp>
+        <p:nvSpPr>
+          <p:cNvPr id="9" name="Rechteck 8"/>
+          <p:cNvSpPr/>
+          <p:nvPr/>
+        </p:nvSpPr>
+        <p:spPr>
+          <a:xfrm>
+            <a:off x="800099" y="-4764"/>
+            <a:ext cx="3333749" cy="2395037"/>
+          </a:xfrm>
+          <a:prstGeom prst="rect">
+            <a:avLst/>
+          </a:prstGeom>
+        </p:spPr>
+        <p:style>
+          <a:lnRef idx="2">
+            <a:schemeClr val="dk1">
+              <a:shade val="50000"/>
+            </a:schemeClr>
+          </a:lnRef>
+          <a:fillRef idx="1">
+            <a:schemeClr val="dk1"/>
+          </a:fillRef>
+          <a:effectRef idx="0">
+            <a:schemeClr val="dk1"/>
+          </a:effectRef>
+          <a:fontRef idx="minor">
+            <a:schemeClr val="lt1"/>
+          </a:fontRef>
+        </p:style>
+        <p:txBody>
+          <a:bodyPr rtlCol="0" anchor="ctr"/>
+          <a:lstStyle/>
+          <a:p>
+            <a:pPr algn="ctr"/>
+            <a:endParaRPr lang="en-US" sz="3600" dirty="0">
+              <a:solidFill>
+                <a:schemeClr val="bg1"/>
+              </a:solidFill>
+            </a:endParaRPr>
+          </a:p>
+          <a:p>
+            <a:pPr algn="ctr"/>
+            <a:r>
+              <a:rPr lang="en-US" sz="3600" dirty="0" err="1">
+                <a:solidFill>
+                  <a:schemeClr val="bg1"/>
+                </a:solidFill>
+              </a:rPr>
+              <a:t>Projekt</a:t>
+            </a:r>
+            <a:endParaRPr lang="de-DE" dirty="0"/>
+          </a:p>
+        </p:txBody>
+      </p:sp>
+      <p:sp>
+        <p:nvSpPr>
+          <p:cNvPr id="7" name="Gleichschenkliges Dreieck 6"/>
+          <p:cNvSpPr/>
+          <p:nvPr/>
+        </p:nvSpPr>
+        <p:spPr>
+          <a:xfrm rot="10800000">
+            <a:off x="800097" y="2390272"/>
+            <a:ext cx="3333750" cy="673770"/>
+          </a:xfrm>
+          <a:prstGeom prst="triangle">
+            <a:avLst/>
+          </a:prstGeom>
+        </p:spPr>
+        <p:style>
+          <a:lnRef idx="2">
+            <a:schemeClr val="dk1">
+              <a:shade val="50000"/>
+            </a:schemeClr>
+          </a:lnRef>
+          <a:fillRef idx="1">
+            <a:schemeClr val="dk1"/>
+          </a:fillRef>
+          <a:effectRef idx="0">
+            <a:schemeClr val="dk1"/>
+          </a:effectRef>
+          <a:fontRef idx="minor">
+            <a:schemeClr val="lt1"/>
+          </a:fontRef>
+        </p:style>
+        <p:txBody>
+          <a:bodyPr rtlCol="0" anchor="ctr"/>
+          <a:lstStyle/>
+          <a:p>
+            <a:pPr algn="ctr"/>
+            <a:endParaRPr lang="de-DE"/>
+          </a:p>
+        </p:txBody>
+      </p:sp>
+    </p:spTree>
+    <p:extLst>
+      <p:ext uri="{BB962C8B-B14F-4D97-AF65-F5344CB8AC3E}">
+        <p14:creationId xmlns:p14="http://schemas.microsoft.com/office/powerpoint/2010/main" val="3305730606"/>
+      </p:ext>
+    </p:extLst>
+  </p:cSld>
+  <p:clrMapOvr>
+    <a:masterClrMapping/>
+  </p:clrMapOvr>
+</p:sld>
+</file>
+
+<file path=ppt/slides/slide21.xml><?xml version="1.0" encoding="utf-8"?>
+<p:sld xmlns:a="http://schemas.openxmlformats.org/drawingml/2006/main" xmlns:r="http://schemas.openxmlformats.org/officeDocument/2006/relationships" xmlns:p="http://schemas.openxmlformats.org/presentationml/2006/main">
+  <p:cSld>
+    <p:spTree>
+      <p:nvGrpSpPr>
+        <p:cNvPr id="1" name=""/>
+        <p:cNvGrpSpPr/>
+        <p:nvPr/>
+      </p:nvGrpSpPr>
+      <p:grpSpPr>
+        <a:xfrm>
+          <a:off x="0" y="0"/>
+          <a:ext cx="0" cy="0"/>
+          <a:chOff x="0" y="0"/>
+          <a:chExt cx="0" cy="0"/>
+        </a:xfrm>
+      </p:grpSpPr>
+      <p:sp>
+        <p:nvSpPr>
+          <p:cNvPr id="2" name="Titel 1"/>
+          <p:cNvSpPr>
+            <a:spLocks noGrp="1"/>
+          </p:cNvSpPr>
+          <p:nvPr>
+            <p:ph type="title"/>
+          </p:nvPr>
+        </p:nvSpPr>
+        <p:spPr/>
+        <p:txBody>
+          <a:bodyPr/>
+          <a:lstStyle/>
+          <a:p>
+            <a:r>
+              <a:rPr lang="de-DE" dirty="0"/>
+              <a:t>Projekt Kennzahlen</a:t>
+            </a:r>
+          </a:p>
+        </p:txBody>
+      </p:sp>
+      <p:sp>
+        <p:nvSpPr>
+          <p:cNvPr id="3" name="Inhaltsplatzhalter 2"/>
+          <p:cNvSpPr>
+            <a:spLocks noGrp="1"/>
+          </p:cNvSpPr>
+          <p:nvPr>
+            <p:ph idx="1"/>
+          </p:nvPr>
+        </p:nvSpPr>
+        <p:spPr/>
+        <p:txBody>
+          <a:bodyPr/>
+          <a:lstStyle/>
+          <a:p>
+            <a:r>
+              <a:rPr lang="de-DE" dirty="0"/>
+              <a:t>Eingabe von Prioritäten </a:t>
+            </a:r>
+          </a:p>
+          <a:p>
+            <a:pPr lvl="1"/>
+            <a:r>
+              <a:rPr lang="de-DE" dirty="0">
+                <a:sym typeface="Wingdings" panose="05000000000000000000" pitchFamily="2" charset="2"/>
+              </a:rPr>
+              <a:t> Ampelsystem</a:t>
+            </a:r>
+          </a:p>
+          <a:p>
+            <a:r>
+              <a:rPr lang="de-DE" dirty="0">
+                <a:sym typeface="Wingdings" panose="05000000000000000000" pitchFamily="2" charset="2"/>
+              </a:rPr>
+              <a:t>Zuordnung von Abteilungen zu Projekten</a:t>
+            </a:r>
+          </a:p>
+          <a:p>
+            <a:pPr lvl="1"/>
+            <a:r>
+              <a:rPr lang="de-DE" dirty="0">
+                <a:sym typeface="Wingdings" panose="05000000000000000000" pitchFamily="2" charset="2"/>
+              </a:rPr>
+              <a:t> Leistungsstunden</a:t>
+            </a:r>
+          </a:p>
+          <a:p>
+            <a:r>
+              <a:rPr lang="de-DE" dirty="0">
+                <a:sym typeface="Wingdings" panose="05000000000000000000" pitchFamily="2" charset="2"/>
+              </a:rPr>
+              <a:t>Eingabe des Projektstatus</a:t>
+            </a:r>
+          </a:p>
+          <a:p>
+            <a:pPr lvl="1"/>
+            <a:r>
+              <a:rPr lang="de-DE" dirty="0">
+                <a:sym typeface="Wingdings" panose="05000000000000000000" pitchFamily="2" charset="2"/>
+              </a:rPr>
+              <a:t> Eingang, Offen, Genehmigt, Abgelehnt, Abgeschlossen</a:t>
+            </a:r>
+          </a:p>
+          <a:p>
+            <a:r>
+              <a:rPr lang="de-DE" dirty="0">
+                <a:sym typeface="Wingdings" panose="05000000000000000000" pitchFamily="2" charset="2"/>
+              </a:rPr>
+              <a:t>Fortschrittsermittlung</a:t>
+            </a:r>
+          </a:p>
+          <a:p>
+            <a:pPr lvl="1"/>
+            <a:r>
+              <a:rPr lang="de-DE" dirty="0">
+                <a:sym typeface="Wingdings" panose="05000000000000000000" pitchFamily="2" charset="2"/>
+              </a:rPr>
+              <a:t> Visualisierung durch </a:t>
+            </a:r>
+            <a:r>
+              <a:rPr lang="de-DE" dirty="0" err="1">
+                <a:sym typeface="Wingdings" panose="05000000000000000000" pitchFamily="2" charset="2"/>
+              </a:rPr>
+              <a:t>Progressbar</a:t>
+            </a:r>
+            <a:r>
+              <a:rPr lang="de-DE" dirty="0">
+                <a:sym typeface="Wingdings" panose="05000000000000000000" pitchFamily="2" charset="2"/>
+              </a:rPr>
+              <a:t>, Eintragung durch Schätzklausur des Projektleiters </a:t>
+            </a:r>
+            <a:endParaRPr lang="de-DE" dirty="0"/>
+          </a:p>
+        </p:txBody>
+      </p:sp>
+      <p:pic>
+        <p:nvPicPr>
+          <p:cNvPr id="4" name="Picture 4" descr="Ampel, Beleuchtung, Hängeleuchte"/>
+          <p:cNvPicPr>
+            <a:picLocks noChangeAspect="1" noChangeArrowheads="1"/>
+          </p:cNvPicPr>
+          <p:nvPr/>
+        </p:nvPicPr>
+        <p:blipFill>
+          <a:blip r:embed="rId2">
+            <a:extLst>
+              <a:ext uri="{28A0092B-C50C-407E-A947-70E740481C1C}">
+                <a14:useLocalDpi xmlns:a14="http://schemas.microsoft.com/office/drawing/2010/main" val="0"/>
+              </a:ext>
+            </a:extLst>
+          </a:blip>
+          <a:srcRect/>
+          <a:stretch>
+            <a:fillRect/>
+          </a:stretch>
+        </p:blipFill>
+        <p:spPr bwMode="auto">
+          <a:xfrm flipV="1">
+            <a:off x="4855131" y="1859714"/>
+            <a:ext cx="352635" cy="705270"/>
+          </a:xfrm>
+          <a:prstGeom prst="rect">
+            <a:avLst/>
+          </a:prstGeom>
+          <a:noFill/>
+          <a:extLst>
+            <a:ext uri="{909E8E84-426E-40DD-AFC4-6F175D3DCCD1}">
+              <a14:hiddenFill xmlns:a14="http://schemas.microsoft.com/office/drawing/2010/main">
+                <a:solidFill>
+                  <a:srgbClr val="FFFFFF"/>
+                </a:solidFill>
+              </a14:hiddenFill>
+            </a:ext>
+          </a:extLst>
+        </p:spPr>
+      </p:pic>
+      <p:sp>
+        <p:nvSpPr>
+          <p:cNvPr id="5" name="Rechteck 4"/>
+          <p:cNvSpPr/>
+          <p:nvPr/>
+        </p:nvSpPr>
+        <p:spPr>
+          <a:xfrm>
+            <a:off x="1108364" y="5890366"/>
+            <a:ext cx="9490363" cy="471055"/>
+          </a:xfrm>
+          <a:prstGeom prst="rect">
+            <a:avLst/>
+          </a:prstGeom>
+        </p:spPr>
+        <p:style>
+          <a:lnRef idx="2">
+            <a:schemeClr val="accent1"/>
+          </a:lnRef>
+          <a:fillRef idx="1">
+            <a:schemeClr val="lt1"/>
+          </a:fillRef>
+          <a:effectRef idx="0">
+            <a:schemeClr val="accent1"/>
+          </a:effectRef>
+          <a:fontRef idx="minor">
+            <a:schemeClr val="dk1"/>
+          </a:fontRef>
+        </p:style>
+        <p:txBody>
+          <a:bodyPr rtlCol="0" anchor="ctr"/>
+          <a:lstStyle/>
+          <a:p>
+            <a:pPr algn="ctr"/>
+            <a:endParaRPr lang="de-DE"/>
+          </a:p>
+        </p:txBody>
+      </p:sp>
+      <p:sp>
+        <p:nvSpPr>
+          <p:cNvPr id="6" name="Rechteck 5"/>
+          <p:cNvSpPr/>
+          <p:nvPr/>
+        </p:nvSpPr>
+        <p:spPr>
+          <a:xfrm>
+            <a:off x="1108364" y="5890366"/>
+            <a:ext cx="6636327" cy="471055"/>
+          </a:xfrm>
+          <a:prstGeom prst="rect">
+            <a:avLst/>
+          </a:prstGeom>
+        </p:spPr>
+        <p:style>
+          <a:lnRef idx="2">
+            <a:schemeClr val="accent1">
+              <a:shade val="50000"/>
+            </a:schemeClr>
+          </a:lnRef>
+          <a:fillRef idx="1">
+            <a:schemeClr val="accent1"/>
+          </a:fillRef>
+          <a:effectRef idx="0">
+            <a:schemeClr val="accent1"/>
+          </a:effectRef>
+          <a:fontRef idx="minor">
+            <a:schemeClr val="lt1"/>
+          </a:fontRef>
+        </p:style>
+        <p:txBody>
+          <a:bodyPr rtlCol="0" anchor="ctr"/>
+          <a:lstStyle/>
+          <a:p>
+            <a:pPr algn="ctr"/>
+            <a:endParaRPr lang="de-DE"/>
+          </a:p>
+        </p:txBody>
+      </p:sp>
+    </p:spTree>
+    <p:extLst>
+      <p:ext uri="{BB962C8B-B14F-4D97-AF65-F5344CB8AC3E}">
+        <p14:creationId xmlns:p14="http://schemas.microsoft.com/office/powerpoint/2010/main" val="1920123136"/>
+      </p:ext>
+    </p:extLst>
+  </p:cSld>
+  <p:clrMapOvr>
+    <a:masterClrMapping/>
+  </p:clrMapOvr>
+</p:sld>
+</file>
+
+<file path=ppt/slides/slide22.xml><?xml version="1.0" encoding="utf-8"?>
+<p:sld xmlns:a="http://schemas.openxmlformats.org/drawingml/2006/main" xmlns:r="http://schemas.openxmlformats.org/officeDocument/2006/relationships" xmlns:p="http://schemas.openxmlformats.org/presentationml/2006/main">
+  <p:cSld>
+    <p:spTree>
+      <p:nvGrpSpPr>
+        <p:cNvPr id="1" name=""/>
+        <p:cNvGrpSpPr/>
+        <p:nvPr/>
+      </p:nvGrpSpPr>
+      <p:grpSpPr>
+        <a:xfrm>
+          <a:off x="0" y="0"/>
+          <a:ext cx="0" cy="0"/>
+          <a:chOff x="0" y="0"/>
+          <a:chExt cx="0" cy="0"/>
+        </a:xfrm>
+      </p:grpSpPr>
+      <p:pic>
+        <p:nvPicPr>
+          <p:cNvPr id="2050" name="Picture 2" descr="http://www.villageofallouez.com/wp-content/uploads/2013/04/departments.jpg"/>
+          <p:cNvPicPr>
+            <a:picLocks noChangeAspect="1" noChangeArrowheads="1"/>
+          </p:cNvPicPr>
+          <p:nvPr/>
+        </p:nvPicPr>
+        <p:blipFill>
+          <a:blip r:embed="rId2">
+            <a:extLst>
+              <a:ext uri="{28A0092B-C50C-407E-A947-70E740481C1C}">
+                <a14:useLocalDpi xmlns:a14="http://schemas.microsoft.com/office/drawing/2010/main" val="0"/>
+              </a:ext>
+            </a:extLst>
+          </a:blip>
+          <a:srcRect/>
+          <a:stretch>
+            <a:fillRect/>
+          </a:stretch>
+        </p:blipFill>
+        <p:spPr bwMode="auto">
+          <a:xfrm>
+            <a:off x="-1" y="0"/>
+            <a:ext cx="12192001" cy="6858000"/>
+          </a:xfrm>
+          <a:prstGeom prst="rect">
+            <a:avLst/>
+          </a:prstGeom>
+          <a:noFill/>
+          <a:extLst>
+            <a:ext uri="{909E8E84-426E-40DD-AFC4-6F175D3DCCD1}">
+              <a14:hiddenFill xmlns:a14="http://schemas.microsoft.com/office/drawing/2010/main">
+                <a:solidFill>
+                  <a:srgbClr val="FFFFFF"/>
+                </a:solidFill>
+              </a14:hiddenFill>
+            </a:ext>
+          </a:extLst>
+        </p:spPr>
+      </p:pic>
+      <p:sp>
+        <p:nvSpPr>
+          <p:cNvPr id="5" name="Rechteck 4"/>
+          <p:cNvSpPr/>
+          <p:nvPr/>
+        </p:nvSpPr>
+        <p:spPr>
+          <a:xfrm>
+            <a:off x="800099" y="-4764"/>
+            <a:ext cx="3333749" cy="2395037"/>
+          </a:xfrm>
+          <a:prstGeom prst="rect">
+            <a:avLst/>
+          </a:prstGeom>
+        </p:spPr>
+        <p:style>
+          <a:lnRef idx="2">
+            <a:schemeClr val="dk1">
+              <a:shade val="50000"/>
+            </a:schemeClr>
+          </a:lnRef>
+          <a:fillRef idx="1">
+            <a:schemeClr val="dk1"/>
+          </a:fillRef>
+          <a:effectRef idx="0">
+            <a:schemeClr val="dk1"/>
+          </a:effectRef>
+          <a:fontRef idx="minor">
+            <a:schemeClr val="lt1"/>
+          </a:fontRef>
+        </p:style>
+        <p:txBody>
+          <a:bodyPr rtlCol="0" anchor="ctr"/>
+          <a:lstStyle/>
+          <a:p>
+            <a:pPr algn="ctr"/>
+            <a:endParaRPr lang="en-US" sz="3600" dirty="0">
+              <a:solidFill>
+                <a:schemeClr val="bg1"/>
+              </a:solidFill>
+            </a:endParaRPr>
+          </a:p>
+          <a:p>
+            <a:pPr algn="ctr"/>
+            <a:r>
+              <a:rPr lang="en-US" sz="3600" dirty="0" err="1">
+                <a:solidFill>
+                  <a:schemeClr val="bg1"/>
+                </a:solidFill>
+              </a:rPr>
+              <a:t>Abteilung</a:t>
+            </a:r>
+            <a:endParaRPr lang="de-DE" dirty="0"/>
+          </a:p>
+        </p:txBody>
+      </p:sp>
+      <p:sp>
+        <p:nvSpPr>
+          <p:cNvPr id="6" name="Gleichschenkliges Dreieck 5"/>
+          <p:cNvSpPr/>
+          <p:nvPr/>
+        </p:nvSpPr>
+        <p:spPr>
+          <a:xfrm rot="10800000">
+            <a:off x="800097" y="2390272"/>
+            <a:ext cx="3333750" cy="673770"/>
+          </a:xfrm>
+          <a:prstGeom prst="triangle">
+            <a:avLst/>
+          </a:prstGeom>
+        </p:spPr>
+        <p:style>
+          <a:lnRef idx="2">
+            <a:schemeClr val="dk1">
+              <a:shade val="50000"/>
+            </a:schemeClr>
+          </a:lnRef>
+          <a:fillRef idx="1">
+            <a:schemeClr val="dk1"/>
+          </a:fillRef>
+          <a:effectRef idx="0">
+            <a:schemeClr val="dk1"/>
+          </a:effectRef>
+          <a:fontRef idx="minor">
+            <a:schemeClr val="lt1"/>
+          </a:fontRef>
+        </p:style>
+        <p:txBody>
+          <a:bodyPr rtlCol="0" anchor="ctr"/>
+          <a:lstStyle/>
+          <a:p>
+            <a:pPr algn="ctr"/>
+            <a:endParaRPr lang="de-DE"/>
+          </a:p>
+        </p:txBody>
+      </p:sp>
+    </p:spTree>
+    <p:extLst>
+      <p:ext uri="{BB962C8B-B14F-4D97-AF65-F5344CB8AC3E}">
+        <p14:creationId xmlns:p14="http://schemas.microsoft.com/office/powerpoint/2010/main" val="2502644771"/>
+      </p:ext>
+    </p:extLst>
+  </p:cSld>
+  <p:clrMapOvr>
+    <a:masterClrMapping/>
+  </p:clrMapOvr>
+</p:sld>
+</file>
+
+<file path=ppt/slides/slide23.xml><?xml version="1.0" encoding="utf-8"?>
+<p:sld xmlns:a="http://schemas.openxmlformats.org/drawingml/2006/main" xmlns:r="http://schemas.openxmlformats.org/officeDocument/2006/relationships" xmlns:p="http://schemas.openxmlformats.org/presentationml/2006/main">
+  <p:cSld>
+    <p:spTree>
+      <p:nvGrpSpPr>
+        <p:cNvPr id="1" name=""/>
+        <p:cNvGrpSpPr/>
+        <p:nvPr/>
+      </p:nvGrpSpPr>
+      <p:grpSpPr>
+        <a:xfrm>
+          <a:off x="0" y="0"/>
+          <a:ext cx="0" cy="0"/>
+          <a:chOff x="0" y="0"/>
+          <a:chExt cx="0" cy="0"/>
+        </a:xfrm>
+      </p:grpSpPr>
+      <p:sp>
+        <p:nvSpPr>
+          <p:cNvPr id="2" name="Titel 1"/>
+          <p:cNvSpPr>
+            <a:spLocks noGrp="1"/>
+          </p:cNvSpPr>
+          <p:nvPr>
+            <p:ph type="title"/>
+          </p:nvPr>
+        </p:nvSpPr>
+        <p:spPr/>
+        <p:txBody>
+          <a:bodyPr/>
+          <a:lstStyle/>
+          <a:p>
+            <a:r>
+              <a:rPr lang="de-DE" dirty="0"/>
+              <a:t>Abteilung Kennzahlen</a:t>
+            </a:r>
+          </a:p>
+        </p:txBody>
+      </p:sp>
+      <p:sp>
+        <p:nvSpPr>
+          <p:cNvPr id="3" name="Inhaltsplatzhalter 2"/>
+          <p:cNvSpPr>
+            <a:spLocks noGrp="1"/>
+          </p:cNvSpPr>
+          <p:nvPr>
+            <p:ph idx="1"/>
+          </p:nvPr>
+        </p:nvSpPr>
+        <p:spPr/>
+        <p:txBody>
+          <a:bodyPr/>
+          <a:lstStyle/>
+          <a:p>
+            <a:r>
+              <a:rPr lang="de-DE" dirty="0"/>
+              <a:t>Vergabe von Leistungsstunden</a:t>
+            </a:r>
+          </a:p>
+          <a:p>
+            <a:r>
+              <a:rPr lang="de-DE" dirty="0"/>
+              <a:t>Zuordnung von Abteilungen zu Projekten</a:t>
+            </a:r>
+          </a:p>
+          <a:p>
+            <a:pPr lvl="1"/>
+            <a:r>
+              <a:rPr lang="de-DE" dirty="0">
+                <a:sym typeface="Wingdings" panose="05000000000000000000" pitchFamily="2" charset="2"/>
+              </a:rPr>
+              <a:t> Minimierung der verfügbaren Leistungsstunden</a:t>
+            </a:r>
+          </a:p>
+          <a:p>
+            <a:pPr lvl="1"/>
+            <a:r>
+              <a:rPr lang="de-DE" dirty="0">
+                <a:sym typeface="Wingdings" panose="05000000000000000000" pitchFamily="2" charset="2"/>
+              </a:rPr>
+              <a:t> Jahresbezogen</a:t>
+            </a:r>
+            <a:endParaRPr lang="de-DE" dirty="0"/>
+          </a:p>
+        </p:txBody>
+      </p:sp>
+    </p:spTree>
+    <p:extLst>
+      <p:ext uri="{BB962C8B-B14F-4D97-AF65-F5344CB8AC3E}">
+        <p14:creationId xmlns:p14="http://schemas.microsoft.com/office/powerpoint/2010/main" val="1013745325"/>
+      </p:ext>
+    </p:extLst>
+  </p:cSld>
+  <p:clrMapOvr>
+    <a:masterClrMapping/>
+  </p:clrMapOvr>
+</p:sld>
+</file>
+
+<file path=ppt/slides/slide24.xml><?xml version="1.0" encoding="utf-8"?>
+<p:sld xmlns:a="http://schemas.openxmlformats.org/drawingml/2006/main" xmlns:r="http://schemas.openxmlformats.org/officeDocument/2006/relationships" xmlns:p="http://schemas.openxmlformats.org/presentationml/2006/main">
+  <p:cSld>
+    <p:spTree>
+      <p:nvGrpSpPr>
+        <p:cNvPr id="1" name=""/>
+        <p:cNvGrpSpPr/>
+        <p:nvPr/>
+      </p:nvGrpSpPr>
+      <p:grpSpPr>
+        <a:xfrm>
+          <a:off x="0" y="0"/>
+          <a:ext cx="0" cy="0"/>
+          <a:chOff x="0" y="0"/>
+          <a:chExt cx="0" cy="0"/>
+        </a:xfrm>
+      </p:grpSpPr>
+      <p:sp>
+        <p:nvSpPr>
+          <p:cNvPr id="2" name="Titel 1"/>
+          <p:cNvSpPr>
+            <a:spLocks noGrp="1"/>
+          </p:cNvSpPr>
+          <p:nvPr>
+            <p:ph type="title"/>
+          </p:nvPr>
+        </p:nvSpPr>
+        <p:spPr/>
+        <p:txBody>
+          <a:bodyPr/>
+          <a:lstStyle/>
+          <a:p>
+            <a:endParaRPr lang="de-DE"/>
+          </a:p>
+        </p:txBody>
+      </p:sp>
+      <p:sp>
+        <p:nvSpPr>
+          <p:cNvPr id="3" name="Inhaltsplatzhalter 2"/>
+          <p:cNvSpPr>
+            <a:spLocks noGrp="1"/>
+          </p:cNvSpPr>
+          <p:nvPr>
+            <p:ph idx="1"/>
+          </p:nvPr>
+        </p:nvSpPr>
+        <p:spPr/>
+        <p:txBody>
+          <a:bodyPr/>
+          <a:lstStyle/>
+          <a:p>
+            <a:endParaRPr lang="de-DE"/>
+          </a:p>
+        </p:txBody>
+      </p:sp>
+      <p:pic>
+        <p:nvPicPr>
+          <p:cNvPr id="1026" name="Picture 2" descr="https://cdn2.slidemodel.com/wp-content/uploads/0034-vintage-flat-powerpoint-dashboard-16x9-1.jpg"/>
+          <p:cNvPicPr>
+            <a:picLocks noChangeAspect="1" noChangeArrowheads="1"/>
+          </p:cNvPicPr>
+          <p:nvPr/>
+        </p:nvPicPr>
+        <p:blipFill>
+          <a:blip r:embed="rId2">
+            <a:extLst>
+              <a:ext uri="{28A0092B-C50C-407E-A947-70E740481C1C}">
+                <a14:useLocalDpi xmlns:a14="http://schemas.microsoft.com/office/drawing/2010/main" val="0"/>
+              </a:ext>
+            </a:extLst>
+          </a:blip>
+          <a:srcRect/>
+          <a:stretch>
+            <a:fillRect/>
+          </a:stretch>
+        </p:blipFill>
+        <p:spPr bwMode="auto">
+          <a:xfrm>
+            <a:off x="1" y="14188"/>
+            <a:ext cx="12191999" cy="6843812"/>
+          </a:xfrm>
+          <a:prstGeom prst="rect">
+            <a:avLst/>
+          </a:prstGeom>
+          <a:noFill/>
+          <a:extLst>
+            <a:ext uri="{909E8E84-426E-40DD-AFC4-6F175D3DCCD1}">
+              <a14:hiddenFill xmlns:a14="http://schemas.microsoft.com/office/drawing/2010/main">
+                <a:solidFill>
+                  <a:srgbClr val="FFFFFF"/>
+                </a:solidFill>
+              </a14:hiddenFill>
+            </a:ext>
+          </a:extLst>
+        </p:spPr>
+      </p:pic>
+      <p:sp>
+        <p:nvSpPr>
+          <p:cNvPr id="5" name="Rechteck 4"/>
+          <p:cNvSpPr/>
+          <p:nvPr/>
+        </p:nvSpPr>
+        <p:spPr>
+          <a:xfrm>
+            <a:off x="800099" y="-4764"/>
+            <a:ext cx="3333749" cy="2395037"/>
+          </a:xfrm>
+          <a:prstGeom prst="rect">
+            <a:avLst/>
+          </a:prstGeom>
+        </p:spPr>
+        <p:style>
+          <a:lnRef idx="2">
+            <a:schemeClr val="dk1">
+              <a:shade val="50000"/>
+            </a:schemeClr>
+          </a:lnRef>
+          <a:fillRef idx="1">
+            <a:schemeClr val="dk1"/>
+          </a:fillRef>
+          <a:effectRef idx="0">
+            <a:schemeClr val="dk1"/>
+          </a:effectRef>
+          <a:fontRef idx="minor">
+            <a:schemeClr val="lt1"/>
+          </a:fontRef>
+        </p:style>
+        <p:txBody>
+          <a:bodyPr rtlCol="0" anchor="ctr"/>
+          <a:lstStyle/>
+          <a:p>
+            <a:pPr algn="ctr"/>
+            <a:endParaRPr lang="en-US" sz="3600" dirty="0">
+              <a:solidFill>
+                <a:schemeClr val="bg1"/>
+              </a:solidFill>
+            </a:endParaRPr>
+          </a:p>
+          <a:p>
+            <a:pPr algn="ctr"/>
+            <a:r>
+              <a:rPr lang="en-US" sz="3600" dirty="0">
+                <a:solidFill>
+                  <a:schemeClr val="bg1"/>
+                </a:solidFill>
+              </a:rPr>
+              <a:t>Dashboard</a:t>
+            </a:r>
+            <a:endParaRPr lang="de-DE" dirty="0"/>
+          </a:p>
+        </p:txBody>
+      </p:sp>
+      <p:sp>
+        <p:nvSpPr>
+          <p:cNvPr id="6" name="Gleichschenkliges Dreieck 5"/>
+          <p:cNvSpPr/>
+          <p:nvPr/>
+        </p:nvSpPr>
+        <p:spPr>
+          <a:xfrm rot="10800000">
+            <a:off x="800097" y="2390272"/>
+            <a:ext cx="3333750" cy="673770"/>
+          </a:xfrm>
+          <a:prstGeom prst="triangle">
+            <a:avLst/>
+          </a:prstGeom>
+        </p:spPr>
+        <p:style>
+          <a:lnRef idx="2">
+            <a:schemeClr val="dk1">
+              <a:shade val="50000"/>
+            </a:schemeClr>
+          </a:lnRef>
+          <a:fillRef idx="1">
+            <a:schemeClr val="dk1"/>
+          </a:fillRef>
+          <a:effectRef idx="0">
+            <a:schemeClr val="dk1"/>
+          </a:effectRef>
+          <a:fontRef idx="minor">
+            <a:schemeClr val="lt1"/>
+          </a:fontRef>
+        </p:style>
+        <p:txBody>
+          <a:bodyPr rtlCol="0" anchor="ctr"/>
+          <a:lstStyle/>
+          <a:p>
+            <a:pPr algn="ctr"/>
+            <a:endParaRPr lang="de-DE"/>
+          </a:p>
+        </p:txBody>
+      </p:sp>
+    </p:spTree>
+    <p:extLst>
+      <p:ext uri="{BB962C8B-B14F-4D97-AF65-F5344CB8AC3E}">
+        <p14:creationId xmlns:p14="http://schemas.microsoft.com/office/powerpoint/2010/main" val="268259056"/>
+      </p:ext>
+    </p:extLst>
+  </p:cSld>
+  <p:clrMapOvr>
+    <a:masterClrMapping/>
+  </p:clrMapOvr>
+</p:sld>
+</file>
+
+<file path=ppt/slides/slide25.xml><?xml version="1.0" encoding="utf-8"?>
+<p:sld xmlns:a="http://schemas.openxmlformats.org/drawingml/2006/main" xmlns:r="http://schemas.openxmlformats.org/officeDocument/2006/relationships" xmlns:p="http://schemas.openxmlformats.org/presentationml/2006/main">
+  <p:cSld>
+    <p:spTree>
+      <p:nvGrpSpPr>
+        <p:cNvPr id="1" name=""/>
+        <p:cNvGrpSpPr/>
+        <p:nvPr/>
+      </p:nvGrpSpPr>
+      <p:grpSpPr>
+        <a:xfrm>
+          <a:off x="0" y="0"/>
+          <a:ext cx="0" cy="0"/>
+          <a:chOff x="0" y="0"/>
+          <a:chExt cx="0" cy="0"/>
+        </a:xfrm>
+      </p:grpSpPr>
+      <p:sp>
+        <p:nvSpPr>
+          <p:cNvPr id="2" name="Titel 1"/>
+          <p:cNvSpPr>
+            <a:spLocks noGrp="1"/>
+          </p:cNvSpPr>
+          <p:nvPr>
+            <p:ph type="title"/>
+          </p:nvPr>
+        </p:nvSpPr>
+        <p:spPr/>
+        <p:txBody>
+          <a:bodyPr/>
+          <a:lstStyle/>
+          <a:p>
+            <a:r>
+              <a:rPr lang="de-DE" dirty="0"/>
+              <a:t>Ansicht Dashboard</a:t>
+            </a:r>
+          </a:p>
+        </p:txBody>
+      </p:sp>
+      <p:sp>
+        <p:nvSpPr>
+          <p:cNvPr id="3" name="Inhaltsplatzhalter 2"/>
+          <p:cNvSpPr>
+            <a:spLocks noGrp="1"/>
+          </p:cNvSpPr>
+          <p:nvPr>
+            <p:ph idx="1"/>
+          </p:nvPr>
+        </p:nvSpPr>
+        <p:spPr/>
+        <p:txBody>
+          <a:bodyPr/>
+          <a:lstStyle/>
+          <a:p>
+            <a:r>
+              <a:rPr lang="de-DE" dirty="0"/>
+              <a:t>Personalisierte Ansichten</a:t>
+            </a:r>
+          </a:p>
+          <a:p>
+            <a:pPr lvl="1"/>
+            <a:r>
+              <a:rPr lang="de-DE" dirty="0"/>
+              <a:t>Projektleiter:</a:t>
+            </a:r>
+            <a:br>
+              <a:rPr lang="de-DE" dirty="0"/>
+            </a:br>
+            <a:r>
+              <a:rPr lang="de-DE" dirty="0"/>
+              <a:t>-Sehen ihre Projekte</a:t>
+            </a:r>
+            <a:br>
+              <a:rPr lang="de-DE" dirty="0"/>
+            </a:br>
+            <a:r>
+              <a:rPr lang="de-DE" dirty="0"/>
+              <a:t>-Zeittafel der Projekte</a:t>
+            </a:r>
+            <a:br>
+              <a:rPr lang="de-DE" dirty="0"/>
+            </a:br>
+            <a:r>
+              <a:rPr lang="de-DE" dirty="0"/>
+              <a:t>-Übersicht über durchschnittlichen Verzug </a:t>
+            </a:r>
+            <a:r>
+              <a:rPr lang="de-DE" dirty="0" err="1"/>
+              <a:t>etc</a:t>
+            </a:r>
+            <a:endParaRPr lang="de-DE" dirty="0"/>
+          </a:p>
+          <a:p>
+            <a:pPr lvl="1"/>
+            <a:r>
+              <a:rPr lang="de-DE" dirty="0"/>
+              <a:t>Teamleiter</a:t>
+            </a:r>
+          </a:p>
+          <a:p>
+            <a:pPr marL="457200" lvl="1" indent="0">
+              <a:buNone/>
+            </a:pPr>
+            <a:r>
+              <a:rPr lang="de-DE" dirty="0"/>
+              <a:t>   - Kosten der Projekte</a:t>
+            </a:r>
+          </a:p>
+          <a:p>
+            <a:pPr marL="457200" lvl="1" indent="0">
+              <a:buNone/>
+            </a:pPr>
+            <a:r>
+              <a:rPr lang="de-DE" dirty="0"/>
+              <a:t>   - Nutzen der Projekte</a:t>
+            </a:r>
+          </a:p>
+          <a:p>
+            <a:pPr marL="457200" lvl="1" indent="0">
+              <a:buNone/>
+            </a:pPr>
+            <a:r>
+              <a:rPr lang="de-DE" dirty="0"/>
+              <a:t>   - Anzeige Anzahl Mitarbeiter</a:t>
+            </a:r>
+            <a:br>
+              <a:rPr lang="de-DE" dirty="0"/>
+            </a:br>
+            <a:endParaRPr lang="de-DE" dirty="0"/>
+          </a:p>
+        </p:txBody>
+      </p:sp>
+    </p:spTree>
+    <p:extLst>
+      <p:ext uri="{BB962C8B-B14F-4D97-AF65-F5344CB8AC3E}">
+        <p14:creationId xmlns:p14="http://schemas.microsoft.com/office/powerpoint/2010/main" val="174987021"/>
+      </p:ext>
+    </p:extLst>
+  </p:cSld>
+  <p:clrMapOvr>
+    <a:masterClrMapping/>
+  </p:clrMapOvr>
+</p:sld>
+</file>
+
+<file path=ppt/slides/slide26.xml><?xml version="1.0" encoding="utf-8"?>
+<p:sld xmlns:a="http://schemas.openxmlformats.org/drawingml/2006/main" xmlns:r="http://schemas.openxmlformats.org/officeDocument/2006/relationships" xmlns:p="http://schemas.openxmlformats.org/presentationml/2006/main">
+  <p:cSld>
+    <p:spTree>
+      <p:nvGrpSpPr>
+        <p:cNvPr id="1" name=""/>
+        <p:cNvGrpSpPr/>
+        <p:nvPr/>
+      </p:nvGrpSpPr>
+      <p:grpSpPr>
+        <a:xfrm>
+          <a:off x="0" y="0"/>
+          <a:ext cx="0" cy="0"/>
+          <a:chOff x="0" y="0"/>
+          <a:chExt cx="0" cy="0"/>
+        </a:xfrm>
+      </p:grpSpPr>
+      <p:sp>
+        <p:nvSpPr>
+          <p:cNvPr id="2" name="Titel 1"/>
+          <p:cNvSpPr>
+            <a:spLocks noGrp="1"/>
+          </p:cNvSpPr>
+          <p:nvPr>
+            <p:ph type="title"/>
+          </p:nvPr>
+        </p:nvSpPr>
+        <p:spPr/>
+        <p:txBody>
+          <a:bodyPr/>
+          <a:lstStyle/>
+          <a:p>
+            <a:r>
+              <a:rPr lang="de-DE" dirty="0"/>
+              <a:t>Ansicht Dashboard</a:t>
+            </a:r>
+          </a:p>
+        </p:txBody>
+      </p:sp>
+      <p:sp>
+        <p:nvSpPr>
+          <p:cNvPr id="3" name="Inhaltsplatzhalter 2"/>
+          <p:cNvSpPr>
+            <a:spLocks noGrp="1"/>
+          </p:cNvSpPr>
+          <p:nvPr>
+            <p:ph idx="1"/>
+          </p:nvPr>
+        </p:nvSpPr>
+        <p:spPr/>
+        <p:txBody>
+          <a:bodyPr/>
+          <a:lstStyle/>
+          <a:p>
+            <a:r>
+              <a:rPr lang="de-DE" dirty="0"/>
+              <a:t>Abteilungsleiter</a:t>
+            </a:r>
+          </a:p>
+          <a:p>
+            <a:pPr lvl="1">
+              <a:buFontTx/>
+              <a:buChar char="-"/>
+            </a:pPr>
+            <a:r>
+              <a:rPr lang="de-DE" dirty="0"/>
+              <a:t>Kosten der Projekte</a:t>
+            </a:r>
+          </a:p>
+          <a:p>
+            <a:pPr lvl="1">
+              <a:buFontTx/>
+              <a:buChar char="-"/>
+            </a:pPr>
+            <a:r>
+              <a:rPr lang="de-DE" dirty="0"/>
+              <a:t>Nutzen der Projekte</a:t>
+            </a:r>
+          </a:p>
+          <a:p>
+            <a:pPr lvl="1">
+              <a:buFontTx/>
+              <a:buChar char="-"/>
+            </a:pPr>
+            <a:r>
+              <a:rPr lang="de-DE" dirty="0"/>
+              <a:t>Anzeige der Projekte</a:t>
+            </a:r>
+          </a:p>
+          <a:p>
+            <a:pPr lvl="1">
+              <a:buFontTx/>
+              <a:buChar char="-"/>
+            </a:pPr>
+            <a:r>
+              <a:rPr lang="de-DE" dirty="0"/>
+              <a:t>Leistungsstundenübersicht</a:t>
+            </a:r>
+          </a:p>
+          <a:p>
+            <a:pPr lvl="1">
+              <a:buFontTx/>
+              <a:buChar char="-"/>
+            </a:pPr>
+            <a:r>
+              <a:rPr lang="de-DE" dirty="0"/>
+              <a:t>Verbrauchte Leistungsstunden</a:t>
+            </a:r>
+          </a:p>
+          <a:p>
+            <a:pPr lvl="1">
+              <a:buFontTx/>
+              <a:buChar char="-"/>
+            </a:pPr>
+            <a:endParaRPr lang="de-DE" dirty="0"/>
+          </a:p>
+          <a:p>
+            <a:pPr>
+              <a:buFontTx/>
+              <a:buChar char="-"/>
+            </a:pPr>
+            <a:r>
+              <a:rPr lang="de-DE" dirty="0"/>
+              <a:t>Möglichkeit von Zeittafeln der Projekte</a:t>
+            </a:r>
+          </a:p>
+          <a:p>
+            <a:pPr>
+              <a:buFontTx/>
+              <a:buChar char="-"/>
+            </a:pPr>
+            <a:r>
+              <a:rPr lang="de-DE" dirty="0"/>
+              <a:t>Nutzen Kosten Übersichten </a:t>
+            </a:r>
+            <a:r>
+              <a:rPr lang="de-DE" dirty="0">
+                <a:sym typeface="Wingdings" panose="05000000000000000000" pitchFamily="2" charset="2"/>
+              </a:rPr>
+              <a:t> Diagramme</a:t>
+            </a:r>
+            <a:endParaRPr lang="de-DE" dirty="0"/>
+          </a:p>
+          <a:p>
+            <a:pPr lvl="1"/>
+            <a:endParaRPr lang="de-DE" dirty="0"/>
+          </a:p>
+        </p:txBody>
+      </p:sp>
+    </p:spTree>
+    <p:extLst>
+      <p:ext uri="{BB962C8B-B14F-4D97-AF65-F5344CB8AC3E}">
+        <p14:creationId xmlns:p14="http://schemas.microsoft.com/office/powerpoint/2010/main" val="867641933"/>
       </p:ext>
     </p:extLst>
   </p:cSld>
